--- a/PPTS/Ejercicios.pptx
+++ b/PPTS/Ejercicios.pptx
@@ -5,7 +5,7 @@
     <p:sldMasterId id="2147483674" r:id="rId1"/>
   </p:sldMasterIdLst>
   <p:notesMasterIdLst>
-    <p:notesMasterId r:id="rId33"/>
+    <p:notesMasterId r:id="rId37"/>
   </p:notesMasterIdLst>
   <p:sldIdLst>
     <p:sldId id="325" r:id="rId2"/>
@@ -36,9 +36,13 @@
     <p:sldId id="350" r:id="rId27"/>
     <p:sldId id="351" r:id="rId28"/>
     <p:sldId id="352" r:id="rId29"/>
-    <p:sldId id="356" r:id="rId30"/>
-    <p:sldId id="357" r:id="rId31"/>
-    <p:sldId id="358" r:id="rId32"/>
+    <p:sldId id="359" r:id="rId30"/>
+    <p:sldId id="360" r:id="rId31"/>
+    <p:sldId id="361" r:id="rId32"/>
+    <p:sldId id="362" r:id="rId33"/>
+    <p:sldId id="356" r:id="rId34"/>
+    <p:sldId id="357" r:id="rId35"/>
+    <p:sldId id="358" r:id="rId36"/>
   </p:sldIdLst>
   <p:sldSz cx="9144000" cy="5143500" type="screen16x9"/>
   <p:notesSz cx="6858000" cy="9144000"/>
@@ -5431,19 +5435,38 @@
       </p:grpSpPr>
       <p:sp>
         <p:nvSpPr>
-          <p:cNvPr id="2" name="Slide Image Placeholder 1"/>
+          <p:cNvPr id="61442" name="Slide Image Placeholder 1"/>
           <p:cNvSpPr>
-            <a:spLocks noGrp="1" noRot="1" noChangeAspect="1"/>
+            <a:spLocks noGrp="1" noRot="1" noChangeAspect="1" noTextEdit="1"/>
           </p:cNvSpPr>
           <p:nvPr>
             <p:ph type="sldImg"/>
           </p:nvPr>
         </p:nvSpPr>
-        <p:spPr/>
+        <p:spPr bwMode="auto">
+          <a:noFill/>
+          <a:ln>
+            <a:solidFill>
+              <a:srgbClr val="000000"/>
+            </a:solidFill>
+            <a:miter lim="800000"/>
+            <a:headEnd/>
+            <a:tailEnd/>
+          </a:ln>
+          <a:extLst>
+            <a:ext uri="{909E8E84-426E-40DD-AFC4-6F175D3DCCD1}">
+              <a14:hiddenFill xmlns:a14="http://schemas.microsoft.com/office/drawing/2010/main">
+                <a:solidFill>
+                  <a:srgbClr val="FFFFFF"/>
+                </a:solidFill>
+              </a14:hiddenFill>
+            </a:ext>
+          </a:extLst>
+        </p:spPr>
       </p:sp>
       <p:sp>
         <p:nvSpPr>
-          <p:cNvPr id="3" name="Notes Placeholder 2"/>
+          <p:cNvPr id="61443" name="Notes Placeholder 2"/>
           <p:cNvSpPr>
             <a:spLocks noGrp="1"/>
           </p:cNvSpPr>
@@ -5451,136 +5474,214 @@
             <p:ph type="body" idx="1"/>
           </p:nvPr>
         </p:nvSpPr>
-        <p:spPr/>
+        <p:spPr bwMode="auto">
+          <a:noFill/>
+          <a:extLst>
+            <a:ext uri="{909E8E84-426E-40DD-AFC4-6F175D3DCCD1}">
+              <a14:hiddenFill xmlns:a14="http://schemas.microsoft.com/office/drawing/2010/main">
+                <a:solidFill>
+                  <a:srgbClr val="FFFFFF"/>
+                </a:solidFill>
+              </a14:hiddenFill>
+            </a:ext>
+            <a:ext uri="{91240B29-F687-4F45-9708-019B960494DF}">
+              <a14:hiddenLine xmlns:a14="http://schemas.microsoft.com/office/drawing/2010/main" w="9525">
+                <a:solidFill>
+                  <a:srgbClr val="000000"/>
+                </a:solidFill>
+                <a:miter lim="800000"/>
+                <a:headEnd/>
+                <a:tailEnd/>
+              </a14:hiddenLine>
+            </a:ext>
+          </a:extLst>
+        </p:spPr>
         <p:txBody>
-          <a:bodyPr/>
+          <a:bodyPr wrap="square" numCol="1" anchor="t" anchorCtr="0" compatLnSpc="1">
+            <a:prstTxWarp prst="textNoShape">
+              <a:avLst/>
+            </a:prstTxWarp>
+          </a:bodyPr>
           <a:lstStyle/>
           <a:p>
-            <a:r>
-              <a:rPr lang="es-ES_tradnl" dirty="0" smtClean="0"/>
-              <a:t>Explicación</a:t>
-            </a:r>
-          </a:p>
-          <a:p>
-            <a:pPr marL="171450" indent="-171450">
-              <a:buFont typeface="Arial" panose="020B0604020202020204" pitchFamily="34" charset="0"/>
-              <a:buChar char="•"/>
-            </a:pPr>
-            <a:r>
-              <a:rPr lang="es-ES_tradnl" dirty="0" smtClean="0"/>
-              <a:t>Las</a:t>
-            </a:r>
-            <a:r>
-              <a:rPr lang="es-ES_tradnl" baseline="0" dirty="0" smtClean="0"/>
-              <a:t> primeras 3 líneas le dan formato al ISBN ya que es presentado con guiones y la API REST de Google no lo soporta con ese formato.</a:t>
-            </a:r>
-          </a:p>
-          <a:p>
-            <a:pPr marL="171450" indent="-171450">
-              <a:buFont typeface="Arial" panose="020B0604020202020204" pitchFamily="34" charset="0"/>
-              <a:buChar char="•"/>
-            </a:pPr>
-            <a:r>
-              <a:rPr lang="es-ES_tradnl" baseline="0" dirty="0" smtClean="0"/>
-              <a:t>Luego se utiliza el servicio $http de </a:t>
-            </a:r>
-            <a:r>
-              <a:rPr lang="es-ES_tradnl" baseline="0" dirty="0" err="1" smtClean="0"/>
-              <a:t>AngularJS</a:t>
-            </a:r>
-            <a:r>
-              <a:rPr lang="es-ES_tradnl" baseline="0" dirty="0" smtClean="0"/>
-              <a:t> con el método GET, esta </a:t>
-            </a:r>
-            <a:r>
-              <a:rPr lang="es-ES_tradnl" baseline="0" dirty="0" err="1" smtClean="0"/>
-              <a:t>request</a:t>
-            </a:r>
-            <a:r>
-              <a:rPr lang="es-ES_tradnl" baseline="0" dirty="0" smtClean="0"/>
-              <a:t> de http es el standard de REST para solicitar recursos.</a:t>
-            </a:r>
-          </a:p>
-          <a:p>
-            <a:pPr marL="171450" indent="-171450">
-              <a:buFont typeface="Arial" panose="020B0604020202020204" pitchFamily="34" charset="0"/>
-              <a:buChar char="•"/>
-            </a:pPr>
-            <a:r>
-              <a:rPr lang="es-ES_tradnl" baseline="0" dirty="0" smtClean="0"/>
-              <a:t>Si el </a:t>
-            </a:r>
-            <a:r>
-              <a:rPr lang="es-ES_tradnl" baseline="0" dirty="0" err="1" smtClean="0"/>
-              <a:t>request</a:t>
-            </a:r>
-            <a:r>
-              <a:rPr lang="es-ES_tradnl" baseline="0" dirty="0" smtClean="0"/>
-              <a:t> fue exitoso y la respuesta tiene código 200 (OK), se le asigna a la imagen del </a:t>
-            </a:r>
-            <a:r>
-              <a:rPr lang="es-ES_tradnl" baseline="0" dirty="0" err="1" smtClean="0"/>
-              <a:t>thumbnail</a:t>
-            </a:r>
-            <a:r>
-              <a:rPr lang="es-ES_tradnl" baseline="0" dirty="0" smtClean="0"/>
-              <a:t> del libro actual.</a:t>
-            </a:r>
-          </a:p>
-          <a:p>
-            <a:pPr marL="171450" indent="-171450">
-              <a:buFont typeface="Arial" panose="020B0604020202020204" pitchFamily="34" charset="0"/>
-              <a:buChar char="•"/>
-            </a:pPr>
-            <a:r>
-              <a:rPr lang="es-ES_tradnl" baseline="0" dirty="0" smtClean="0"/>
-              <a:t>Si hubo un error se </a:t>
-            </a:r>
-            <a:r>
-              <a:rPr lang="es-ES_tradnl" baseline="0" dirty="0" err="1" smtClean="0"/>
-              <a:t>loguea</a:t>
-            </a:r>
-            <a:r>
-              <a:rPr lang="es-ES_tradnl" baseline="0" dirty="0" smtClean="0"/>
-              <a:t> en la consola del lado del cliente.</a:t>
-            </a:r>
-          </a:p>
-          <a:p>
-            <a:pPr marL="171450" indent="-171450">
-              <a:buFont typeface="Arial" panose="020B0604020202020204" pitchFamily="34" charset="0"/>
-              <a:buChar char="•"/>
-            </a:pPr>
-            <a:endParaRPr lang="en-US" dirty="0"/>
+            <a:endParaRPr lang="es-AR" altLang="es-AR" smtClean="0"/>
           </a:p>
         </p:txBody>
       </p:sp>
       <p:sp>
         <p:nvSpPr>
-          <p:cNvPr id="4" name="Slide Number Placeholder 3"/>
+          <p:cNvPr id="61444" name="Slide Number Placeholder 3"/>
           <p:cNvSpPr>
             <a:spLocks noGrp="1"/>
           </p:cNvSpPr>
           <p:nvPr>
-            <p:ph type="sldNum" sz="quarter" idx="10"/>
+            <p:ph type="sldNum" sz="quarter" idx="5"/>
           </p:nvPr>
         </p:nvSpPr>
-        <p:spPr/>
+        <p:spPr bwMode="auto">
+          <a:noFill/>
+          <a:extLst>
+            <a:ext uri="{909E8E84-426E-40DD-AFC4-6F175D3DCCD1}">
+              <a14:hiddenFill xmlns:a14="http://schemas.microsoft.com/office/drawing/2010/main">
+                <a:solidFill>
+                  <a:srgbClr val="FFFFFF"/>
+                </a:solidFill>
+              </a14:hiddenFill>
+            </a:ext>
+            <a:ext uri="{91240B29-F687-4F45-9708-019B960494DF}">
+              <a14:hiddenLine xmlns:a14="http://schemas.microsoft.com/office/drawing/2010/main" w="9525">
+                <a:solidFill>
+                  <a:srgbClr val="000000"/>
+                </a:solidFill>
+                <a:miter lim="800000"/>
+                <a:headEnd/>
+                <a:tailEnd/>
+              </a14:hiddenLine>
+            </a:ext>
+          </a:extLst>
+        </p:spPr>
         <p:txBody>
           <a:bodyPr/>
-          <a:lstStyle/>
-          <a:p>
-            <a:fld id="{7D61118C-0B68-45A8-8791-420E0DB4DDEA}" type="slidenum">
-              <a:rPr lang="es-AR" smtClean="0"/>
+          <a:lstStyle>
+            <a:lvl1pPr>
+              <a:spcBef>
+                <a:spcPct val="30000"/>
+              </a:spcBef>
+              <a:defRPr sz="1200">
+                <a:solidFill>
+                  <a:schemeClr val="tx1"/>
+                </a:solidFill>
+                <a:latin typeface="Calibri" panose="020F0502020204030204" pitchFamily="34" charset="0"/>
+              </a:defRPr>
+            </a:lvl1pPr>
+            <a:lvl2pPr marL="742950" indent="-285750">
+              <a:spcBef>
+                <a:spcPct val="30000"/>
+              </a:spcBef>
+              <a:defRPr sz="1200">
+                <a:solidFill>
+                  <a:schemeClr val="tx1"/>
+                </a:solidFill>
+                <a:latin typeface="Calibri" panose="020F0502020204030204" pitchFamily="34" charset="0"/>
+              </a:defRPr>
+            </a:lvl2pPr>
+            <a:lvl3pPr marL="1143000" indent="-228600">
+              <a:spcBef>
+                <a:spcPct val="30000"/>
+              </a:spcBef>
+              <a:defRPr sz="1200">
+                <a:solidFill>
+                  <a:schemeClr val="tx1"/>
+                </a:solidFill>
+                <a:latin typeface="Calibri" panose="020F0502020204030204" pitchFamily="34" charset="0"/>
+              </a:defRPr>
+            </a:lvl3pPr>
+            <a:lvl4pPr marL="1600200" indent="-228600">
+              <a:spcBef>
+                <a:spcPct val="30000"/>
+              </a:spcBef>
+              <a:defRPr sz="1200">
+                <a:solidFill>
+                  <a:schemeClr val="tx1"/>
+                </a:solidFill>
+                <a:latin typeface="Calibri" panose="020F0502020204030204" pitchFamily="34" charset="0"/>
+              </a:defRPr>
+            </a:lvl4pPr>
+            <a:lvl5pPr marL="2057400" indent="-228600">
+              <a:spcBef>
+                <a:spcPct val="30000"/>
+              </a:spcBef>
+              <a:defRPr sz="1200">
+                <a:solidFill>
+                  <a:schemeClr val="tx1"/>
+                </a:solidFill>
+                <a:latin typeface="Calibri" panose="020F0502020204030204" pitchFamily="34" charset="0"/>
+              </a:defRPr>
+            </a:lvl5pPr>
+            <a:lvl6pPr marL="2514600" indent="-228600" eaLnBrk="0" fontAlgn="base" hangingPunct="0">
+              <a:spcBef>
+                <a:spcPct val="30000"/>
+              </a:spcBef>
+              <a:spcAft>
+                <a:spcPct val="0"/>
+              </a:spcAft>
+              <a:defRPr sz="1200">
+                <a:solidFill>
+                  <a:schemeClr val="tx1"/>
+                </a:solidFill>
+                <a:latin typeface="Calibri" panose="020F0502020204030204" pitchFamily="34" charset="0"/>
+              </a:defRPr>
+            </a:lvl6pPr>
+            <a:lvl7pPr marL="2971800" indent="-228600" eaLnBrk="0" fontAlgn="base" hangingPunct="0">
+              <a:spcBef>
+                <a:spcPct val="30000"/>
+              </a:spcBef>
+              <a:spcAft>
+                <a:spcPct val="0"/>
+              </a:spcAft>
+              <a:defRPr sz="1200">
+                <a:solidFill>
+                  <a:schemeClr val="tx1"/>
+                </a:solidFill>
+                <a:latin typeface="Calibri" panose="020F0502020204030204" pitchFamily="34" charset="0"/>
+              </a:defRPr>
+            </a:lvl7pPr>
+            <a:lvl8pPr marL="3429000" indent="-228600" eaLnBrk="0" fontAlgn="base" hangingPunct="0">
+              <a:spcBef>
+                <a:spcPct val="30000"/>
+              </a:spcBef>
+              <a:spcAft>
+                <a:spcPct val="0"/>
+              </a:spcAft>
+              <a:defRPr sz="1200">
+                <a:solidFill>
+                  <a:schemeClr val="tx1"/>
+                </a:solidFill>
+                <a:latin typeface="Calibri" panose="020F0502020204030204" pitchFamily="34" charset="0"/>
+              </a:defRPr>
+            </a:lvl8pPr>
+            <a:lvl9pPr marL="3886200" indent="-228600" eaLnBrk="0" fontAlgn="base" hangingPunct="0">
+              <a:spcBef>
+                <a:spcPct val="30000"/>
+              </a:spcBef>
+              <a:spcAft>
+                <a:spcPct val="0"/>
+              </a:spcAft>
+              <a:defRPr sz="1200">
+                <a:solidFill>
+                  <a:schemeClr val="tx1"/>
+                </a:solidFill>
+                <a:latin typeface="Calibri" panose="020F0502020204030204" pitchFamily="34" charset="0"/>
+              </a:defRPr>
+            </a:lvl9pPr>
+          </a:lstStyle>
+          <a:p>
+            <a:pPr>
+              <a:spcBef>
+                <a:spcPct val="0"/>
+              </a:spcBef>
+            </a:pPr>
+            <a:fld id="{F4D3F846-3487-4A66-93EE-1479472B5C34}" type="slidenum">
+              <a:rPr lang="es-AR" altLang="es-AR" smtClean="0">
+                <a:latin typeface="Arial" panose="020B0604020202020204" pitchFamily="34" charset="0"/>
+              </a:rPr>
+              <a:pPr>
+                <a:spcBef>
+                  <a:spcPct val="0"/>
+                </a:spcBef>
+              </a:pPr>
               <a:t>30</a:t>
             </a:fld>
-            <a:endParaRPr lang="es-AR"/>
+            <a:endParaRPr lang="es-AR" altLang="es-AR" smtClean="0">
+              <a:latin typeface="Arial" panose="020B0604020202020204" pitchFamily="34" charset="0"/>
+            </a:endParaRPr>
           </a:p>
         </p:txBody>
       </p:sp>
     </p:spTree>
     <p:extLst>
       <p:ext uri="{BB962C8B-B14F-4D97-AF65-F5344CB8AC3E}">
-        <p14:creationId xmlns:p14="http://schemas.microsoft.com/office/powerpoint/2010/main" val="2262800268"/>
+        <p14:creationId xmlns:p14="http://schemas.microsoft.com/office/powerpoint/2010/main" val="1241500212"/>
       </p:ext>
     </p:extLst>
   </p:cSld>
@@ -5844,7 +5945,460 @@
                   <a:spcPct val="0"/>
                 </a:spcBef>
               </a:pPr>
-              <a:t>31</a:t>
+              <a:t>32</a:t>
+            </a:fld>
+            <a:endParaRPr lang="es-AR" altLang="es-AR" smtClean="0">
+              <a:latin typeface="Arial" panose="020B0604020202020204" pitchFamily="34" charset="0"/>
+            </a:endParaRPr>
+          </a:p>
+        </p:txBody>
+      </p:sp>
+    </p:spTree>
+    <p:extLst>
+      <p:ext uri="{BB962C8B-B14F-4D97-AF65-F5344CB8AC3E}">
+        <p14:creationId xmlns:p14="http://schemas.microsoft.com/office/powerpoint/2010/main" val="2383663063"/>
+      </p:ext>
+    </p:extLst>
+  </p:cSld>
+  <p:clrMapOvr>
+    <a:masterClrMapping/>
+  </p:clrMapOvr>
+</p:notes>
+</file>
+
+<file path=ppt/notesSlides/notesSlide28.xml><?xml version="1.0" encoding="utf-8"?>
+<p:notes xmlns:a="http://schemas.openxmlformats.org/drawingml/2006/main" xmlns:r="http://schemas.openxmlformats.org/officeDocument/2006/relationships" xmlns:p="http://schemas.openxmlformats.org/presentationml/2006/main">
+  <p:cSld>
+    <p:spTree>
+      <p:nvGrpSpPr>
+        <p:cNvPr id="1" name=""/>
+        <p:cNvGrpSpPr/>
+        <p:nvPr/>
+      </p:nvGrpSpPr>
+      <p:grpSpPr>
+        <a:xfrm>
+          <a:off x="0" y="0"/>
+          <a:ext cx="0" cy="0"/>
+          <a:chOff x="0" y="0"/>
+          <a:chExt cx="0" cy="0"/>
+        </a:xfrm>
+      </p:grpSpPr>
+      <p:sp>
+        <p:nvSpPr>
+          <p:cNvPr id="2" name="Slide Image Placeholder 1"/>
+          <p:cNvSpPr>
+            <a:spLocks noGrp="1" noRot="1" noChangeAspect="1"/>
+          </p:cNvSpPr>
+          <p:nvPr>
+            <p:ph type="sldImg"/>
+          </p:nvPr>
+        </p:nvSpPr>
+        <p:spPr/>
+      </p:sp>
+      <p:sp>
+        <p:nvSpPr>
+          <p:cNvPr id="3" name="Notes Placeholder 2"/>
+          <p:cNvSpPr>
+            <a:spLocks noGrp="1"/>
+          </p:cNvSpPr>
+          <p:nvPr>
+            <p:ph type="body" idx="1"/>
+          </p:nvPr>
+        </p:nvSpPr>
+        <p:spPr/>
+        <p:txBody>
+          <a:bodyPr/>
+          <a:lstStyle/>
+          <a:p>
+            <a:r>
+              <a:rPr lang="es-ES_tradnl" dirty="0" smtClean="0"/>
+              <a:t>Explicación</a:t>
+            </a:r>
+          </a:p>
+          <a:p>
+            <a:pPr marL="171450" indent="-171450">
+              <a:buFont typeface="Arial" panose="020B0604020202020204" pitchFamily="34" charset="0"/>
+              <a:buChar char="•"/>
+            </a:pPr>
+            <a:r>
+              <a:rPr lang="es-ES_tradnl" dirty="0" smtClean="0"/>
+              <a:t>Las</a:t>
+            </a:r>
+            <a:r>
+              <a:rPr lang="es-ES_tradnl" baseline="0" dirty="0" smtClean="0"/>
+              <a:t> primeras 3 líneas le dan formato al ISBN ya que es presentado con guiones y la API REST de Google no lo soporta con ese formato.</a:t>
+            </a:r>
+          </a:p>
+          <a:p>
+            <a:pPr marL="171450" indent="-171450">
+              <a:buFont typeface="Arial" panose="020B0604020202020204" pitchFamily="34" charset="0"/>
+              <a:buChar char="•"/>
+            </a:pPr>
+            <a:r>
+              <a:rPr lang="es-ES_tradnl" baseline="0" dirty="0" smtClean="0"/>
+              <a:t>Luego se utiliza el servicio $http de </a:t>
+            </a:r>
+            <a:r>
+              <a:rPr lang="es-ES_tradnl" baseline="0" dirty="0" err="1" smtClean="0"/>
+              <a:t>AngularJS</a:t>
+            </a:r>
+            <a:r>
+              <a:rPr lang="es-ES_tradnl" baseline="0" dirty="0" smtClean="0"/>
+              <a:t> con el método GET, esta </a:t>
+            </a:r>
+            <a:r>
+              <a:rPr lang="es-ES_tradnl" baseline="0" dirty="0" err="1" smtClean="0"/>
+              <a:t>request</a:t>
+            </a:r>
+            <a:r>
+              <a:rPr lang="es-ES_tradnl" baseline="0" dirty="0" smtClean="0"/>
+              <a:t> de http es el standard de REST para solicitar recursos.</a:t>
+            </a:r>
+          </a:p>
+          <a:p>
+            <a:pPr marL="171450" indent="-171450">
+              <a:buFont typeface="Arial" panose="020B0604020202020204" pitchFamily="34" charset="0"/>
+              <a:buChar char="•"/>
+            </a:pPr>
+            <a:r>
+              <a:rPr lang="es-ES_tradnl" baseline="0" dirty="0" smtClean="0"/>
+              <a:t>Si el </a:t>
+            </a:r>
+            <a:r>
+              <a:rPr lang="es-ES_tradnl" baseline="0" dirty="0" err="1" smtClean="0"/>
+              <a:t>request</a:t>
+            </a:r>
+            <a:r>
+              <a:rPr lang="es-ES_tradnl" baseline="0" dirty="0" smtClean="0"/>
+              <a:t> fue exitoso y la respuesta tiene código 200 (OK), se le asigna a la imagen del </a:t>
+            </a:r>
+            <a:r>
+              <a:rPr lang="es-ES_tradnl" baseline="0" dirty="0" err="1" smtClean="0"/>
+              <a:t>thumbnail</a:t>
+            </a:r>
+            <a:r>
+              <a:rPr lang="es-ES_tradnl" baseline="0" dirty="0" smtClean="0"/>
+              <a:t> del libro actual.</a:t>
+            </a:r>
+          </a:p>
+          <a:p>
+            <a:pPr marL="171450" indent="-171450">
+              <a:buFont typeface="Arial" panose="020B0604020202020204" pitchFamily="34" charset="0"/>
+              <a:buChar char="•"/>
+            </a:pPr>
+            <a:r>
+              <a:rPr lang="es-ES_tradnl" baseline="0" dirty="0" smtClean="0"/>
+              <a:t>Si hubo un error se </a:t>
+            </a:r>
+            <a:r>
+              <a:rPr lang="es-ES_tradnl" baseline="0" dirty="0" err="1" smtClean="0"/>
+              <a:t>loguea</a:t>
+            </a:r>
+            <a:r>
+              <a:rPr lang="es-ES_tradnl" baseline="0" dirty="0" smtClean="0"/>
+              <a:t> en la consola del lado del cliente.</a:t>
+            </a:r>
+          </a:p>
+          <a:p>
+            <a:pPr marL="171450" indent="-171450">
+              <a:buFont typeface="Arial" panose="020B0604020202020204" pitchFamily="34" charset="0"/>
+              <a:buChar char="•"/>
+            </a:pPr>
+            <a:endParaRPr lang="en-US" dirty="0"/>
+          </a:p>
+        </p:txBody>
+      </p:sp>
+      <p:sp>
+        <p:nvSpPr>
+          <p:cNvPr id="4" name="Slide Number Placeholder 3"/>
+          <p:cNvSpPr>
+            <a:spLocks noGrp="1"/>
+          </p:cNvSpPr>
+          <p:nvPr>
+            <p:ph type="sldNum" sz="quarter" idx="10"/>
+          </p:nvPr>
+        </p:nvSpPr>
+        <p:spPr/>
+        <p:txBody>
+          <a:bodyPr/>
+          <a:lstStyle/>
+          <a:p>
+            <a:fld id="{7D61118C-0B68-45A8-8791-420E0DB4DDEA}" type="slidenum">
+              <a:rPr lang="es-AR" smtClean="0"/>
+              <a:t>34</a:t>
+            </a:fld>
+            <a:endParaRPr lang="es-AR"/>
+          </a:p>
+        </p:txBody>
+      </p:sp>
+    </p:spTree>
+    <p:extLst>
+      <p:ext uri="{BB962C8B-B14F-4D97-AF65-F5344CB8AC3E}">
+        <p14:creationId xmlns:p14="http://schemas.microsoft.com/office/powerpoint/2010/main" val="2262800268"/>
+      </p:ext>
+    </p:extLst>
+  </p:cSld>
+  <p:clrMapOvr>
+    <a:masterClrMapping/>
+  </p:clrMapOvr>
+</p:notes>
+</file>
+
+<file path=ppt/notesSlides/notesSlide29.xml><?xml version="1.0" encoding="utf-8"?>
+<p:notes xmlns:a="http://schemas.openxmlformats.org/drawingml/2006/main" xmlns:r="http://schemas.openxmlformats.org/officeDocument/2006/relationships" xmlns:p="http://schemas.openxmlformats.org/presentationml/2006/main">
+  <p:cSld>
+    <p:spTree>
+      <p:nvGrpSpPr>
+        <p:cNvPr id="1" name=""/>
+        <p:cNvGrpSpPr/>
+        <p:nvPr/>
+      </p:nvGrpSpPr>
+      <p:grpSpPr>
+        <a:xfrm>
+          <a:off x="0" y="0"/>
+          <a:ext cx="0" cy="0"/>
+          <a:chOff x="0" y="0"/>
+          <a:chExt cx="0" cy="0"/>
+        </a:xfrm>
+      </p:grpSpPr>
+      <p:sp>
+        <p:nvSpPr>
+          <p:cNvPr id="61442" name="Slide Image Placeholder 1"/>
+          <p:cNvSpPr>
+            <a:spLocks noGrp="1" noRot="1" noChangeAspect="1" noTextEdit="1"/>
+          </p:cNvSpPr>
+          <p:nvPr>
+            <p:ph type="sldImg"/>
+          </p:nvPr>
+        </p:nvSpPr>
+        <p:spPr bwMode="auto">
+          <a:noFill/>
+          <a:ln>
+            <a:solidFill>
+              <a:srgbClr val="000000"/>
+            </a:solidFill>
+            <a:miter lim="800000"/>
+            <a:headEnd/>
+            <a:tailEnd/>
+          </a:ln>
+          <a:extLst>
+            <a:ext uri="{909E8E84-426E-40DD-AFC4-6F175D3DCCD1}">
+              <a14:hiddenFill xmlns:a14="http://schemas.microsoft.com/office/drawing/2010/main">
+                <a:solidFill>
+                  <a:srgbClr val="FFFFFF"/>
+                </a:solidFill>
+              </a14:hiddenFill>
+            </a:ext>
+          </a:extLst>
+        </p:spPr>
+      </p:sp>
+      <p:sp>
+        <p:nvSpPr>
+          <p:cNvPr id="61443" name="Notes Placeholder 2"/>
+          <p:cNvSpPr>
+            <a:spLocks noGrp="1"/>
+          </p:cNvSpPr>
+          <p:nvPr>
+            <p:ph type="body" idx="1"/>
+          </p:nvPr>
+        </p:nvSpPr>
+        <p:spPr bwMode="auto">
+          <a:noFill/>
+          <a:extLst>
+            <a:ext uri="{909E8E84-426E-40DD-AFC4-6F175D3DCCD1}">
+              <a14:hiddenFill xmlns:a14="http://schemas.microsoft.com/office/drawing/2010/main">
+                <a:solidFill>
+                  <a:srgbClr val="FFFFFF"/>
+                </a:solidFill>
+              </a14:hiddenFill>
+            </a:ext>
+            <a:ext uri="{91240B29-F687-4F45-9708-019B960494DF}">
+              <a14:hiddenLine xmlns:a14="http://schemas.microsoft.com/office/drawing/2010/main" w="9525">
+                <a:solidFill>
+                  <a:srgbClr val="000000"/>
+                </a:solidFill>
+                <a:miter lim="800000"/>
+                <a:headEnd/>
+                <a:tailEnd/>
+              </a14:hiddenLine>
+            </a:ext>
+          </a:extLst>
+        </p:spPr>
+        <p:txBody>
+          <a:bodyPr wrap="square" numCol="1" anchor="t" anchorCtr="0" compatLnSpc="1">
+            <a:prstTxWarp prst="textNoShape">
+              <a:avLst/>
+            </a:prstTxWarp>
+          </a:bodyPr>
+          <a:lstStyle/>
+          <a:p>
+            <a:endParaRPr lang="es-AR" altLang="es-AR" smtClean="0"/>
+          </a:p>
+        </p:txBody>
+      </p:sp>
+      <p:sp>
+        <p:nvSpPr>
+          <p:cNvPr id="61444" name="Slide Number Placeholder 3"/>
+          <p:cNvSpPr>
+            <a:spLocks noGrp="1"/>
+          </p:cNvSpPr>
+          <p:nvPr>
+            <p:ph type="sldNum" sz="quarter" idx="5"/>
+          </p:nvPr>
+        </p:nvSpPr>
+        <p:spPr bwMode="auto">
+          <a:noFill/>
+          <a:extLst>
+            <a:ext uri="{909E8E84-426E-40DD-AFC4-6F175D3DCCD1}">
+              <a14:hiddenFill xmlns:a14="http://schemas.microsoft.com/office/drawing/2010/main">
+                <a:solidFill>
+                  <a:srgbClr val="FFFFFF"/>
+                </a:solidFill>
+              </a14:hiddenFill>
+            </a:ext>
+            <a:ext uri="{91240B29-F687-4F45-9708-019B960494DF}">
+              <a14:hiddenLine xmlns:a14="http://schemas.microsoft.com/office/drawing/2010/main" w="9525">
+                <a:solidFill>
+                  <a:srgbClr val="000000"/>
+                </a:solidFill>
+                <a:miter lim="800000"/>
+                <a:headEnd/>
+                <a:tailEnd/>
+              </a14:hiddenLine>
+            </a:ext>
+          </a:extLst>
+        </p:spPr>
+        <p:txBody>
+          <a:bodyPr/>
+          <a:lstStyle>
+            <a:lvl1pPr>
+              <a:spcBef>
+                <a:spcPct val="30000"/>
+              </a:spcBef>
+              <a:defRPr sz="1200">
+                <a:solidFill>
+                  <a:schemeClr val="tx1"/>
+                </a:solidFill>
+                <a:latin typeface="Calibri" panose="020F0502020204030204" pitchFamily="34" charset="0"/>
+              </a:defRPr>
+            </a:lvl1pPr>
+            <a:lvl2pPr marL="742950" indent="-285750">
+              <a:spcBef>
+                <a:spcPct val="30000"/>
+              </a:spcBef>
+              <a:defRPr sz="1200">
+                <a:solidFill>
+                  <a:schemeClr val="tx1"/>
+                </a:solidFill>
+                <a:latin typeface="Calibri" panose="020F0502020204030204" pitchFamily="34" charset="0"/>
+              </a:defRPr>
+            </a:lvl2pPr>
+            <a:lvl3pPr marL="1143000" indent="-228600">
+              <a:spcBef>
+                <a:spcPct val="30000"/>
+              </a:spcBef>
+              <a:defRPr sz="1200">
+                <a:solidFill>
+                  <a:schemeClr val="tx1"/>
+                </a:solidFill>
+                <a:latin typeface="Calibri" panose="020F0502020204030204" pitchFamily="34" charset="0"/>
+              </a:defRPr>
+            </a:lvl3pPr>
+            <a:lvl4pPr marL="1600200" indent="-228600">
+              <a:spcBef>
+                <a:spcPct val="30000"/>
+              </a:spcBef>
+              <a:defRPr sz="1200">
+                <a:solidFill>
+                  <a:schemeClr val="tx1"/>
+                </a:solidFill>
+                <a:latin typeface="Calibri" panose="020F0502020204030204" pitchFamily="34" charset="0"/>
+              </a:defRPr>
+            </a:lvl4pPr>
+            <a:lvl5pPr marL="2057400" indent="-228600">
+              <a:spcBef>
+                <a:spcPct val="30000"/>
+              </a:spcBef>
+              <a:defRPr sz="1200">
+                <a:solidFill>
+                  <a:schemeClr val="tx1"/>
+                </a:solidFill>
+                <a:latin typeface="Calibri" panose="020F0502020204030204" pitchFamily="34" charset="0"/>
+              </a:defRPr>
+            </a:lvl5pPr>
+            <a:lvl6pPr marL="2514600" indent="-228600" eaLnBrk="0" fontAlgn="base" hangingPunct="0">
+              <a:spcBef>
+                <a:spcPct val="30000"/>
+              </a:spcBef>
+              <a:spcAft>
+                <a:spcPct val="0"/>
+              </a:spcAft>
+              <a:defRPr sz="1200">
+                <a:solidFill>
+                  <a:schemeClr val="tx1"/>
+                </a:solidFill>
+                <a:latin typeface="Calibri" panose="020F0502020204030204" pitchFamily="34" charset="0"/>
+              </a:defRPr>
+            </a:lvl6pPr>
+            <a:lvl7pPr marL="2971800" indent="-228600" eaLnBrk="0" fontAlgn="base" hangingPunct="0">
+              <a:spcBef>
+                <a:spcPct val="30000"/>
+              </a:spcBef>
+              <a:spcAft>
+                <a:spcPct val="0"/>
+              </a:spcAft>
+              <a:defRPr sz="1200">
+                <a:solidFill>
+                  <a:schemeClr val="tx1"/>
+                </a:solidFill>
+                <a:latin typeface="Calibri" panose="020F0502020204030204" pitchFamily="34" charset="0"/>
+              </a:defRPr>
+            </a:lvl7pPr>
+            <a:lvl8pPr marL="3429000" indent="-228600" eaLnBrk="0" fontAlgn="base" hangingPunct="0">
+              <a:spcBef>
+                <a:spcPct val="30000"/>
+              </a:spcBef>
+              <a:spcAft>
+                <a:spcPct val="0"/>
+              </a:spcAft>
+              <a:defRPr sz="1200">
+                <a:solidFill>
+                  <a:schemeClr val="tx1"/>
+                </a:solidFill>
+                <a:latin typeface="Calibri" panose="020F0502020204030204" pitchFamily="34" charset="0"/>
+              </a:defRPr>
+            </a:lvl8pPr>
+            <a:lvl9pPr marL="3886200" indent="-228600" eaLnBrk="0" fontAlgn="base" hangingPunct="0">
+              <a:spcBef>
+                <a:spcPct val="30000"/>
+              </a:spcBef>
+              <a:spcAft>
+                <a:spcPct val="0"/>
+              </a:spcAft>
+              <a:defRPr sz="1200">
+                <a:solidFill>
+                  <a:schemeClr val="tx1"/>
+                </a:solidFill>
+                <a:latin typeface="Calibri" panose="020F0502020204030204" pitchFamily="34" charset="0"/>
+              </a:defRPr>
+            </a:lvl9pPr>
+          </a:lstStyle>
+          <a:p>
+            <a:pPr>
+              <a:spcBef>
+                <a:spcPct val="0"/>
+              </a:spcBef>
+            </a:pPr>
+            <a:fld id="{F4D3F846-3487-4A66-93EE-1479472B5C34}" type="slidenum">
+              <a:rPr lang="es-AR" altLang="es-AR" smtClean="0">
+                <a:latin typeface="Arial" panose="020B0604020202020204" pitchFamily="34" charset="0"/>
+              </a:rPr>
+              <a:pPr>
+                <a:spcBef>
+                  <a:spcPct val="0"/>
+                </a:spcBef>
+              </a:pPr>
+              <a:t>35</a:t>
             </a:fld>
             <a:endParaRPr lang="es-AR" altLang="es-AR" smtClean="0">
               <a:latin typeface="Arial" panose="020B0604020202020204" pitchFamily="34" charset="0"/>
@@ -18126,7 +18680,7 @@
       </p:grpSpPr>
       <p:sp>
         <p:nvSpPr>
-          <p:cNvPr id="4" name="Title 3"/>
+          <p:cNvPr id="59394" name="Title 1"/>
           <p:cNvSpPr>
             <a:spLocks noGrp="1"/>
           </p:cNvSpPr>
@@ -18137,27 +18691,15 @@
         <p:spPr>
           <a:xfrm>
             <a:off x="476250" y="260747"/>
-            <a:ext cx="8448675" cy="342568"/>
+            <a:ext cx="8448675" cy="448463"/>
           </a:xfrm>
         </p:spPr>
         <p:txBody>
           <a:bodyPr/>
           <a:lstStyle/>
           <a:p>
-            <a:pPr lvl="0">
-              <a:spcBef>
-                <a:spcPts val="100"/>
-              </a:spcBef>
-              <a:spcAft>
-                <a:spcPts val="600"/>
-              </a:spcAft>
-              <a:buClr>
-                <a:srgbClr val="1EA89B"/>
-              </a:buClr>
-              <a:buSzPct val="85000"/>
-            </a:pPr>
-            <a:r>
-              <a:rPr lang="en-US" sz="1700" b="1" kern="1200" dirty="0" err="1" smtClean="0">
+            <a:r>
+              <a:rPr lang="en-US" sz="1700" b="1" kern="1200" dirty="0" err="1">
                 <a:solidFill>
                   <a:srgbClr val="1EA89B"/>
                 </a:solidFill>
@@ -18166,21 +18708,48 @@
               <a:t>Ejercicio</a:t>
             </a:r>
             <a:r>
-              <a:rPr lang="en-US" sz="1700" b="1" kern="1200" dirty="0" smtClean="0">
+              <a:rPr lang="en-US" sz="1700" b="1" kern="1200" dirty="0">
                 <a:solidFill>
                   <a:srgbClr val="1EA89B"/>
                 </a:solidFill>
                 <a:latin typeface="Segoe UI Semibold" panose="020B0702040204020203" pitchFamily="34" charset="0"/>
               </a:rPr>
-              <a:t> final</a:t>
-            </a:r>
-            <a:endParaRPr lang="en-US" dirty="0"/>
+              <a:t> </a:t>
+            </a:r>
+            <a:r>
+              <a:rPr lang="en-US" sz="1700" b="1" kern="1200" dirty="0" smtClean="0">
+                <a:solidFill>
+                  <a:srgbClr val="1EA89B"/>
+                </a:solidFill>
+                <a:latin typeface="Segoe UI Semibold" panose="020B0702040204020203" pitchFamily="34" charset="0"/>
+              </a:rPr>
+              <a:t>12 (</a:t>
+            </a:r>
+            <a:r>
+              <a:rPr lang="en-US" sz="1700" b="1" kern="1200" dirty="0" err="1" smtClean="0">
+                <a:solidFill>
+                  <a:srgbClr val="1EA89B"/>
+                </a:solidFill>
+                <a:latin typeface="Segoe UI Semibold" panose="020B0702040204020203" pitchFamily="34" charset="0"/>
+              </a:rPr>
+              <a:t>Borrador</a:t>
+            </a:r>
+            <a:r>
+              <a:rPr lang="en-US" sz="1700" b="1" kern="1200" dirty="0" smtClean="0">
+                <a:solidFill>
+                  <a:srgbClr val="1EA89B"/>
+                </a:solidFill>
+                <a:latin typeface="Segoe UI Semibold" panose="020B0702040204020203" pitchFamily="34" charset="0"/>
+              </a:rPr>
+              <a:t>)</a:t>
+            </a:r>
+            <a:endParaRPr lang="en-US" dirty="0" smtClean="0"/>
           </a:p>
         </p:txBody>
       </p:sp>
       <p:sp>
         <p:nvSpPr>
-          <p:cNvPr id="5" name="Content Placeholder 4"/>
+          <p:cNvPr id="59395" name="Content Placeholder 2"/>
           <p:cNvSpPr>
             <a:spLocks noGrp="1"/>
           </p:cNvSpPr>
@@ -18190,133 +18759,53 @@
         </p:nvSpPr>
         <p:spPr>
           <a:xfrm>
-            <a:off x="476250" y="686073"/>
-            <a:ext cx="8337812" cy="3141209"/>
+            <a:off x="476250" y="709211"/>
+            <a:ext cx="8448675" cy="3707341"/>
           </a:xfrm>
         </p:spPr>
         <p:txBody>
-          <a:bodyPr/>
+          <a:bodyPr>
+            <a:normAutofit/>
+          </a:bodyPr>
           <a:lstStyle/>
           <a:p>
             <a:r>
-              <a:rPr lang="es-ES_tradnl" sz="1600" dirty="0" smtClean="0"/>
-              <a:t>Basándose en la implementación de servicios REST que han visto y utilizado en la aplicación de ejemplo “</a:t>
-            </a:r>
-            <a:r>
-              <a:rPr lang="es-ES_tradnl" sz="1600" dirty="0" err="1" smtClean="0"/>
-              <a:t>Tpl</a:t>
-            </a:r>
-            <a:r>
-              <a:rPr lang="es-ES_tradnl" sz="1600" dirty="0" smtClean="0"/>
-              <a:t>”, obtener el </a:t>
-            </a:r>
-            <a:r>
-              <a:rPr lang="es-ES_tradnl" sz="1600" dirty="0" err="1" smtClean="0"/>
-              <a:t>thunmbnail</a:t>
-            </a:r>
-            <a:r>
-              <a:rPr lang="es-ES_tradnl" sz="1600" dirty="0" smtClean="0"/>
-              <a:t> de la portada de cada libro a través de la API REST de Google </a:t>
-            </a:r>
-            <a:r>
-              <a:rPr lang="es-ES_tradnl" sz="1600" dirty="0" err="1" smtClean="0"/>
-              <a:t>Books</a:t>
-            </a:r>
-            <a:r>
-              <a:rPr lang="es-ES_tradnl" sz="1600" dirty="0" smtClean="0"/>
-              <a:t>.</a:t>
-            </a:r>
-          </a:p>
-          <a:p>
-            <a:r>
-              <a:rPr lang="es-ES_tradnl" sz="1600" dirty="0" smtClean="0"/>
-              <a:t>Información adicional</a:t>
-            </a:r>
-          </a:p>
-          <a:p>
-            <a:pPr marL="744538" lvl="5"/>
-            <a:r>
-              <a:rPr lang="es-ES_tradnl" sz="1600" dirty="0" smtClean="0"/>
-              <a:t>Utilizar el servicio $http de </a:t>
-            </a:r>
-            <a:r>
-              <a:rPr lang="es-ES_tradnl" sz="1600" dirty="0" err="1" smtClean="0"/>
-              <a:t>AngularJs</a:t>
-            </a:r>
-            <a:endParaRPr lang="es-ES_tradnl" sz="1600" dirty="0" smtClean="0"/>
-          </a:p>
-          <a:p>
-            <a:pPr marL="744538" lvl="5"/>
-            <a:r>
-              <a:rPr lang="es-ES_tradnl" sz="1600" dirty="0" smtClean="0"/>
-              <a:t>La URI de la API de Google utiliza el número ISBN sin guiones para determinar que libro debe devolver.</a:t>
-            </a:r>
-          </a:p>
-          <a:p>
-            <a:pPr marL="744538" lvl="5"/>
-            <a:r>
-              <a:rPr lang="es-ES_tradnl" sz="1600" dirty="0" smtClean="0"/>
-              <a:t>Dicha URI es</a:t>
-            </a:r>
-            <a:r>
-              <a:rPr lang="es-ES_tradnl" sz="1600" dirty="0"/>
-              <a:t>: </a:t>
-            </a:r>
-            <a:r>
-              <a:rPr lang="es-ES_tradnl" sz="1600" dirty="0" smtClean="0">
-                <a:hlinkClick r:id="rId2"/>
-              </a:rPr>
-              <a:t>https</a:t>
-            </a:r>
-            <a:r>
-              <a:rPr lang="es-ES_tradnl" sz="1600" dirty="0">
-                <a:hlinkClick r:id="rId2"/>
-              </a:rPr>
-              <a:t>://</a:t>
-            </a:r>
-            <a:r>
-              <a:rPr lang="es-ES_tradnl" sz="1600" dirty="0" smtClean="0">
-                <a:hlinkClick r:id="rId2"/>
-              </a:rPr>
-              <a:t>www.googleapis.com/books/v1/volumes?q=isbn+</a:t>
-            </a:r>
-            <a:r>
-              <a:rPr lang="es-ES_tradnl" sz="1600" b="1" dirty="0" smtClean="0">
-                <a:hlinkClick r:id="rId2"/>
-              </a:rPr>
-              <a:t>ISBN_SIN_GUIONES</a:t>
-            </a:r>
-            <a:endParaRPr lang="es-ES_tradnl" sz="1600" b="1" dirty="0" smtClean="0"/>
-          </a:p>
-          <a:p>
-            <a:pPr marL="744538" lvl="5"/>
-            <a:r>
-              <a:rPr lang="es-ES_tradnl" sz="1600" dirty="0" smtClean="0"/>
-              <a:t>Formato del recurso que devuelve la API:</a:t>
-            </a:r>
-            <a:r>
-              <a:rPr lang="es-ES_tradnl" sz="1600" b="1" dirty="0" smtClean="0"/>
-              <a:t/>
-            </a:r>
-            <a:br>
-              <a:rPr lang="es-ES_tradnl" sz="1600" b="1" dirty="0" smtClean="0"/>
-            </a:br>
-            <a:r>
-              <a:rPr lang="en-US" sz="1600" b="1" u="sng" dirty="0"/>
-              <a:t>data</a:t>
-            </a:r>
-            <a:r>
-              <a:rPr lang="en-US" sz="1600" dirty="0"/>
-              <a:t>.items[0].volumeInfo.imageLinks.thumbnail</a:t>
-            </a:r>
-            <a:endParaRPr lang="es-ES_tradnl" sz="1600" b="1" dirty="0" smtClean="0"/>
+              <a:rPr lang="es-ES_tradnl" dirty="0" smtClean="0"/>
+              <a:t> En la sección “Lista de préstamos” </a:t>
+            </a:r>
+            <a:r>
+              <a:rPr lang="es-ES_tradnl" dirty="0" smtClean="0"/>
+              <a:t>agregar una columna llamada “Devolución”, cuyo valor dependa de la cantidad de días que faltan para la devolución del libro según las siguientes especificación:</a:t>
+            </a:r>
+          </a:p>
+          <a:p>
+            <a:pPr lvl="5"/>
+            <a:r>
+              <a:rPr lang="es-ES_tradnl" dirty="0" smtClean="0"/>
+              <a:t>Próxima: Si faltan 7 días o menos para la devolución.</a:t>
+            </a:r>
+          </a:p>
+          <a:p>
+            <a:pPr lvl="5"/>
+            <a:r>
+              <a:rPr lang="es-ES_tradnl" dirty="0" smtClean="0"/>
+              <a:t>Intermedia: Si faltan entre 8 y 14 días.</a:t>
+            </a:r>
+          </a:p>
+          <a:p>
+            <a:pPr lvl="5"/>
+            <a:r>
+              <a:rPr lang="es-ES_tradnl" dirty="0" smtClean="0"/>
+              <a:t>Lejana: Si faltan 15 o más.</a:t>
+            </a:r>
+            <a:endParaRPr lang="en-US" dirty="0" smtClean="0"/>
           </a:p>
         </p:txBody>
       </p:sp>
     </p:spTree>
     <p:extLst>
       <p:ext uri="{BB962C8B-B14F-4D97-AF65-F5344CB8AC3E}">
-        <p14:creationId xmlns:p14="http://schemas.microsoft.com/office/powerpoint/2010/main" val="3008542842"/>
+        <p14:creationId xmlns:p14="http://schemas.microsoft.com/office/powerpoint/2010/main" val="3644934533"/>
       </p:ext>
     </p:extLst>
   </p:cSld>
@@ -18326,6 +18815,13 @@
   <p:transition>
     <p:fade/>
   </p:transition>
+  <p:timing>
+    <p:tnLst>
+      <p:par>
+        <p:cTn id="1" dur="indefinite" restart="never" nodeType="tmRoot"/>
+      </p:par>
+    </p:tnLst>
+  </p:timing>
 </p:sld>
 </file>
 
@@ -18585,6 +19081,580 @@
           <a:chExt cx="0" cy="0"/>
         </a:xfrm>
       </p:grpSpPr>
+      <p:pic>
+        <p:nvPicPr>
+          <p:cNvPr id="60418" name="Picture 2" descr="Codigo20de20barras.jpg"/>
+          <p:cNvPicPr>
+            <a:picLocks noChangeAspect="1"/>
+          </p:cNvPicPr>
+          <p:nvPr/>
+        </p:nvPicPr>
+        <p:blipFill>
+          <a:blip r:embed="rId3">
+            <a:extLst>
+              <a:ext uri="{28A0092B-C50C-407E-A947-70E740481C1C}">
+                <a14:useLocalDpi xmlns:a14="http://schemas.microsoft.com/office/drawing/2010/main" val="0"/>
+              </a:ext>
+            </a:extLst>
+          </a:blip>
+          <a:srcRect/>
+          <a:stretch>
+            <a:fillRect/>
+          </a:stretch>
+        </p:blipFill>
+        <p:spPr bwMode="auto">
+          <a:xfrm>
+            <a:off x="2682479" y="1539479"/>
+            <a:ext cx="3779044" cy="2064544"/>
+          </a:xfrm>
+          <a:prstGeom prst="rect">
+            <a:avLst/>
+          </a:prstGeom>
+          <a:noFill/>
+          <a:ln>
+            <a:noFill/>
+          </a:ln>
+          <a:extLst>
+            <a:ext uri="{909E8E84-426E-40DD-AFC4-6F175D3DCCD1}">
+              <a14:hiddenFill xmlns:a14="http://schemas.microsoft.com/office/drawing/2010/main">
+                <a:solidFill>
+                  <a:srgbClr val="FFFFFF"/>
+                </a:solidFill>
+              </a14:hiddenFill>
+            </a:ext>
+            <a:ext uri="{91240B29-F687-4F45-9708-019B960494DF}">
+              <a14:hiddenLine xmlns:a14="http://schemas.microsoft.com/office/drawing/2010/main" w="9525">
+                <a:solidFill>
+                  <a:srgbClr val="000000"/>
+                </a:solidFill>
+                <a:miter lim="800000"/>
+                <a:headEnd/>
+                <a:tailEnd/>
+              </a14:hiddenLine>
+            </a:ext>
+          </a:extLst>
+        </p:spPr>
+      </p:pic>
+    </p:spTree>
+    <p:extLst>
+      <p:ext uri="{BB962C8B-B14F-4D97-AF65-F5344CB8AC3E}">
+        <p14:creationId xmlns:p14="http://schemas.microsoft.com/office/powerpoint/2010/main" val="2867235280"/>
+      </p:ext>
+    </p:extLst>
+  </p:cSld>
+  <p:clrMapOvr>
+    <a:masterClrMapping/>
+  </p:clrMapOvr>
+  <p:transition>
+    <p:fade/>
+  </p:transition>
+  <p:timing>
+    <p:tnLst>
+      <p:par>
+        <p:cTn id="1" dur="indefinite" restart="never" nodeType="tmRoot"/>
+      </p:par>
+    </p:tnLst>
+  </p:timing>
+</p:sld>
+</file>
+
+<file path=ppt/slides/slide31.xml><?xml version="1.0" encoding="utf-8"?>
+<p:sld xmlns:a="http://schemas.openxmlformats.org/drawingml/2006/main" xmlns:r="http://schemas.openxmlformats.org/officeDocument/2006/relationships" xmlns:p="http://schemas.openxmlformats.org/presentationml/2006/main">
+  <p:cSld>
+    <p:spTree>
+      <p:nvGrpSpPr>
+        <p:cNvPr id="1" name=""/>
+        <p:cNvGrpSpPr/>
+        <p:nvPr/>
+      </p:nvGrpSpPr>
+      <p:grpSpPr>
+        <a:xfrm>
+          <a:off x="0" y="0"/>
+          <a:ext cx="0" cy="0"/>
+          <a:chOff x="0" y="0"/>
+          <a:chExt cx="0" cy="0"/>
+        </a:xfrm>
+      </p:grpSpPr>
+      <p:sp>
+        <p:nvSpPr>
+          <p:cNvPr id="59394" name="Title 1"/>
+          <p:cNvSpPr>
+            <a:spLocks noGrp="1"/>
+          </p:cNvSpPr>
+          <p:nvPr>
+            <p:ph type="title"/>
+          </p:nvPr>
+        </p:nvSpPr>
+        <p:spPr>
+          <a:xfrm>
+            <a:off x="476250" y="260747"/>
+            <a:ext cx="8448675" cy="448463"/>
+          </a:xfrm>
+        </p:spPr>
+        <p:txBody>
+          <a:bodyPr/>
+          <a:lstStyle/>
+          <a:p>
+            <a:r>
+              <a:rPr lang="en-US" sz="1700" b="1" kern="1200" dirty="0" err="1">
+                <a:solidFill>
+                  <a:srgbClr val="1EA89B"/>
+                </a:solidFill>
+                <a:latin typeface="Segoe UI Semibold" panose="020B0702040204020203" pitchFamily="34" charset="0"/>
+              </a:rPr>
+              <a:t>Ejercicio</a:t>
+            </a:r>
+            <a:r>
+              <a:rPr lang="en-US" sz="1700" b="1" kern="1200" dirty="0">
+                <a:solidFill>
+                  <a:srgbClr val="1EA89B"/>
+                </a:solidFill>
+                <a:latin typeface="Segoe UI Semibold" panose="020B0702040204020203" pitchFamily="34" charset="0"/>
+              </a:rPr>
+              <a:t> </a:t>
+            </a:r>
+            <a:r>
+              <a:rPr lang="en-US" sz="1700" b="1" kern="1200" dirty="0" smtClean="0">
+                <a:solidFill>
+                  <a:srgbClr val="1EA89B"/>
+                </a:solidFill>
+                <a:latin typeface="Segoe UI Semibold" panose="020B0702040204020203" pitchFamily="34" charset="0"/>
+              </a:rPr>
+              <a:t>13 (</a:t>
+            </a:r>
+            <a:r>
+              <a:rPr lang="en-US" sz="1700" b="1" kern="1200" dirty="0" err="1" smtClean="0">
+                <a:solidFill>
+                  <a:srgbClr val="1EA89B"/>
+                </a:solidFill>
+                <a:latin typeface="Segoe UI Semibold" panose="020B0702040204020203" pitchFamily="34" charset="0"/>
+              </a:rPr>
+              <a:t>Borrador</a:t>
+            </a:r>
+            <a:r>
+              <a:rPr lang="en-US" sz="1700" b="1" kern="1200" dirty="0" smtClean="0">
+                <a:solidFill>
+                  <a:srgbClr val="1EA89B"/>
+                </a:solidFill>
+                <a:latin typeface="Segoe UI Semibold" panose="020B0702040204020203" pitchFamily="34" charset="0"/>
+              </a:rPr>
+              <a:t>)</a:t>
+            </a:r>
+            <a:endParaRPr lang="en-US" dirty="0" smtClean="0"/>
+          </a:p>
+        </p:txBody>
+      </p:sp>
+      <p:sp>
+        <p:nvSpPr>
+          <p:cNvPr id="59395" name="Content Placeholder 2"/>
+          <p:cNvSpPr>
+            <a:spLocks noGrp="1"/>
+          </p:cNvSpPr>
+          <p:nvPr>
+            <p:ph idx="1"/>
+          </p:nvPr>
+        </p:nvSpPr>
+        <p:spPr>
+          <a:xfrm>
+            <a:off x="476250" y="709211"/>
+            <a:ext cx="8448675" cy="2107141"/>
+          </a:xfrm>
+        </p:spPr>
+        <p:txBody>
+          <a:bodyPr>
+            <a:normAutofit/>
+          </a:bodyPr>
+          <a:lstStyle/>
+          <a:p>
+            <a:r>
+              <a:rPr lang="es-ES_tradnl" dirty="0" smtClean="0"/>
+              <a:t> </a:t>
+            </a:r>
+            <a:r>
+              <a:rPr lang="es-ES_tradnl" dirty="0" smtClean="0"/>
+              <a:t>Ordenar la lista de préstamos por el nuevo campo “Devolución”, pero no de forma lexicográfica sino de la siguiente forma:</a:t>
+            </a:r>
+          </a:p>
+          <a:p>
+            <a:pPr lvl="5"/>
+            <a:r>
+              <a:rPr lang="es-ES_tradnl" dirty="0" smtClean="0"/>
+              <a:t>Próximo</a:t>
+            </a:r>
+          </a:p>
+          <a:p>
+            <a:pPr lvl="5"/>
+            <a:r>
+              <a:rPr lang="es-ES_tradnl" dirty="0" smtClean="0"/>
+              <a:t>Intermedio</a:t>
+            </a:r>
+          </a:p>
+          <a:p>
+            <a:pPr lvl="5"/>
+            <a:r>
+              <a:rPr lang="es-ES_tradnl" dirty="0" smtClean="0"/>
+              <a:t>Lejano</a:t>
+            </a:r>
+            <a:endParaRPr lang="en-US" dirty="0" smtClean="0"/>
+          </a:p>
+        </p:txBody>
+      </p:sp>
+    </p:spTree>
+    <p:extLst>
+      <p:ext uri="{BB962C8B-B14F-4D97-AF65-F5344CB8AC3E}">
+        <p14:creationId xmlns:p14="http://schemas.microsoft.com/office/powerpoint/2010/main" val="1043968840"/>
+      </p:ext>
+    </p:extLst>
+  </p:cSld>
+  <p:clrMapOvr>
+    <a:masterClrMapping/>
+  </p:clrMapOvr>
+  <p:transition>
+    <p:fade/>
+  </p:transition>
+  <p:timing>
+    <p:tnLst>
+      <p:par>
+        <p:cTn id="1" dur="indefinite" restart="never" nodeType="tmRoot"/>
+      </p:par>
+    </p:tnLst>
+  </p:timing>
+</p:sld>
+</file>
+
+<file path=ppt/slides/slide32.xml><?xml version="1.0" encoding="utf-8"?>
+<p:sld xmlns:a="http://schemas.openxmlformats.org/drawingml/2006/main" xmlns:r="http://schemas.openxmlformats.org/officeDocument/2006/relationships" xmlns:p="http://schemas.openxmlformats.org/presentationml/2006/main">
+  <p:cSld>
+    <p:spTree>
+      <p:nvGrpSpPr>
+        <p:cNvPr id="1" name=""/>
+        <p:cNvGrpSpPr/>
+        <p:nvPr/>
+      </p:nvGrpSpPr>
+      <p:grpSpPr>
+        <a:xfrm>
+          <a:off x="0" y="0"/>
+          <a:ext cx="0" cy="0"/>
+          <a:chOff x="0" y="0"/>
+          <a:chExt cx="0" cy="0"/>
+        </a:xfrm>
+      </p:grpSpPr>
+      <p:pic>
+        <p:nvPicPr>
+          <p:cNvPr id="60418" name="Picture 2" descr="Codigo20de20barras.jpg"/>
+          <p:cNvPicPr>
+            <a:picLocks noChangeAspect="1"/>
+          </p:cNvPicPr>
+          <p:nvPr/>
+        </p:nvPicPr>
+        <p:blipFill>
+          <a:blip r:embed="rId3">
+            <a:extLst>
+              <a:ext uri="{28A0092B-C50C-407E-A947-70E740481C1C}">
+                <a14:useLocalDpi xmlns:a14="http://schemas.microsoft.com/office/drawing/2010/main" val="0"/>
+              </a:ext>
+            </a:extLst>
+          </a:blip>
+          <a:srcRect/>
+          <a:stretch>
+            <a:fillRect/>
+          </a:stretch>
+        </p:blipFill>
+        <p:spPr bwMode="auto">
+          <a:xfrm>
+            <a:off x="2682479" y="1539479"/>
+            <a:ext cx="3779044" cy="2064544"/>
+          </a:xfrm>
+          <a:prstGeom prst="rect">
+            <a:avLst/>
+          </a:prstGeom>
+          <a:noFill/>
+          <a:ln>
+            <a:noFill/>
+          </a:ln>
+          <a:extLst>
+            <a:ext uri="{909E8E84-426E-40DD-AFC4-6F175D3DCCD1}">
+              <a14:hiddenFill xmlns:a14="http://schemas.microsoft.com/office/drawing/2010/main">
+                <a:solidFill>
+                  <a:srgbClr val="FFFFFF"/>
+                </a:solidFill>
+              </a14:hiddenFill>
+            </a:ext>
+            <a:ext uri="{91240B29-F687-4F45-9708-019B960494DF}">
+              <a14:hiddenLine xmlns:a14="http://schemas.microsoft.com/office/drawing/2010/main" w="9525">
+                <a:solidFill>
+                  <a:srgbClr val="000000"/>
+                </a:solidFill>
+                <a:miter lim="800000"/>
+                <a:headEnd/>
+                <a:tailEnd/>
+              </a14:hiddenLine>
+            </a:ext>
+          </a:extLst>
+        </p:spPr>
+      </p:pic>
+    </p:spTree>
+    <p:extLst>
+      <p:ext uri="{BB962C8B-B14F-4D97-AF65-F5344CB8AC3E}">
+        <p14:creationId xmlns:p14="http://schemas.microsoft.com/office/powerpoint/2010/main" val="2952249074"/>
+      </p:ext>
+    </p:extLst>
+  </p:cSld>
+  <p:clrMapOvr>
+    <a:masterClrMapping/>
+  </p:clrMapOvr>
+  <p:transition>
+    <p:fade/>
+  </p:transition>
+  <p:timing>
+    <p:tnLst>
+      <p:par>
+        <p:cTn id="1" dur="indefinite" restart="never" nodeType="tmRoot"/>
+      </p:par>
+    </p:tnLst>
+  </p:timing>
+</p:sld>
+</file>
+
+<file path=ppt/slides/slide33.xml><?xml version="1.0" encoding="utf-8"?>
+<p:sld xmlns:a="http://schemas.openxmlformats.org/drawingml/2006/main" xmlns:r="http://schemas.openxmlformats.org/officeDocument/2006/relationships" xmlns:p="http://schemas.openxmlformats.org/presentationml/2006/main">
+  <p:cSld>
+    <p:spTree>
+      <p:nvGrpSpPr>
+        <p:cNvPr id="1" name=""/>
+        <p:cNvGrpSpPr/>
+        <p:nvPr/>
+      </p:nvGrpSpPr>
+      <p:grpSpPr>
+        <a:xfrm>
+          <a:off x="0" y="0"/>
+          <a:ext cx="0" cy="0"/>
+          <a:chOff x="0" y="0"/>
+          <a:chExt cx="0" cy="0"/>
+        </a:xfrm>
+      </p:grpSpPr>
+      <p:sp>
+        <p:nvSpPr>
+          <p:cNvPr id="4" name="Title 3"/>
+          <p:cNvSpPr>
+            <a:spLocks noGrp="1"/>
+          </p:cNvSpPr>
+          <p:nvPr>
+            <p:ph type="title"/>
+          </p:nvPr>
+        </p:nvSpPr>
+        <p:spPr>
+          <a:xfrm>
+            <a:off x="476250" y="260747"/>
+            <a:ext cx="8448675" cy="342568"/>
+          </a:xfrm>
+        </p:spPr>
+        <p:txBody>
+          <a:bodyPr/>
+          <a:lstStyle/>
+          <a:p>
+            <a:pPr lvl="0">
+              <a:spcBef>
+                <a:spcPts val="100"/>
+              </a:spcBef>
+              <a:spcAft>
+                <a:spcPts val="600"/>
+              </a:spcAft>
+              <a:buClr>
+                <a:srgbClr val="1EA89B"/>
+              </a:buClr>
+              <a:buSzPct val="85000"/>
+            </a:pPr>
+            <a:r>
+              <a:rPr lang="en-US" sz="1700" b="1" kern="1200" dirty="0" err="1" smtClean="0">
+                <a:solidFill>
+                  <a:srgbClr val="1EA89B"/>
+                </a:solidFill>
+                <a:latin typeface="Segoe UI Semibold" panose="020B0702040204020203" pitchFamily="34" charset="0"/>
+              </a:rPr>
+              <a:t>Ejercicio</a:t>
+            </a:r>
+            <a:r>
+              <a:rPr lang="en-US" sz="1700" b="1" kern="1200" dirty="0" smtClean="0">
+                <a:solidFill>
+                  <a:srgbClr val="1EA89B"/>
+                </a:solidFill>
+                <a:latin typeface="Segoe UI Semibold" panose="020B0702040204020203" pitchFamily="34" charset="0"/>
+              </a:rPr>
+              <a:t> final</a:t>
+            </a:r>
+            <a:endParaRPr lang="en-US" dirty="0"/>
+          </a:p>
+        </p:txBody>
+      </p:sp>
+      <p:sp>
+        <p:nvSpPr>
+          <p:cNvPr id="5" name="Content Placeholder 4"/>
+          <p:cNvSpPr>
+            <a:spLocks noGrp="1"/>
+          </p:cNvSpPr>
+          <p:nvPr>
+            <p:ph idx="1"/>
+          </p:nvPr>
+        </p:nvSpPr>
+        <p:spPr>
+          <a:xfrm>
+            <a:off x="476250" y="686073"/>
+            <a:ext cx="8337812" cy="3141209"/>
+          </a:xfrm>
+        </p:spPr>
+        <p:txBody>
+          <a:bodyPr/>
+          <a:lstStyle/>
+          <a:p>
+            <a:r>
+              <a:rPr lang="es-ES_tradnl" sz="1600" dirty="0" smtClean="0"/>
+              <a:t>Basándose en la implementación de servicios REST que han visto y utilizado en la aplicación de ejemplo “</a:t>
+            </a:r>
+            <a:r>
+              <a:rPr lang="es-ES_tradnl" sz="1600" dirty="0" err="1" smtClean="0"/>
+              <a:t>Tpl</a:t>
+            </a:r>
+            <a:r>
+              <a:rPr lang="es-ES_tradnl" sz="1600" dirty="0" smtClean="0"/>
+              <a:t>”, obtener el </a:t>
+            </a:r>
+            <a:r>
+              <a:rPr lang="es-ES_tradnl" sz="1600" dirty="0" err="1" smtClean="0"/>
+              <a:t>thunmbnail</a:t>
+            </a:r>
+            <a:r>
+              <a:rPr lang="es-ES_tradnl" sz="1600" dirty="0" smtClean="0"/>
+              <a:t> de la portada de cada libro a través de la API REST de Google </a:t>
+            </a:r>
+            <a:r>
+              <a:rPr lang="es-ES_tradnl" sz="1600" dirty="0" err="1" smtClean="0"/>
+              <a:t>Books</a:t>
+            </a:r>
+            <a:r>
+              <a:rPr lang="es-ES_tradnl" sz="1600" dirty="0" smtClean="0"/>
+              <a:t>.</a:t>
+            </a:r>
+          </a:p>
+          <a:p>
+            <a:r>
+              <a:rPr lang="es-ES_tradnl" sz="1600" dirty="0" smtClean="0"/>
+              <a:t>Información adicional</a:t>
+            </a:r>
+          </a:p>
+          <a:p>
+            <a:pPr marL="744538" lvl="5"/>
+            <a:r>
+              <a:rPr lang="es-ES_tradnl" sz="1600" dirty="0" smtClean="0"/>
+              <a:t>Utilizar el servicio $http de </a:t>
+            </a:r>
+            <a:r>
+              <a:rPr lang="es-ES_tradnl" sz="1600" dirty="0" err="1" smtClean="0"/>
+              <a:t>AngularJs</a:t>
+            </a:r>
+            <a:endParaRPr lang="es-ES_tradnl" sz="1600" dirty="0" smtClean="0"/>
+          </a:p>
+          <a:p>
+            <a:pPr marL="744538" lvl="5"/>
+            <a:r>
+              <a:rPr lang="es-ES_tradnl" sz="1600" dirty="0" smtClean="0"/>
+              <a:t>La URI de la API de Google utiliza el número ISBN sin guiones para determinar que libro debe devolver.</a:t>
+            </a:r>
+          </a:p>
+          <a:p>
+            <a:pPr marL="744538" lvl="5"/>
+            <a:r>
+              <a:rPr lang="es-ES_tradnl" sz="1600" dirty="0" smtClean="0"/>
+              <a:t>Dicha URI es</a:t>
+            </a:r>
+            <a:r>
+              <a:rPr lang="es-ES_tradnl" sz="1600" dirty="0"/>
+              <a:t>: </a:t>
+            </a:r>
+            <a:r>
+              <a:rPr lang="es-ES_tradnl" sz="1600" dirty="0" smtClean="0">
+                <a:hlinkClick r:id="rId2"/>
+              </a:rPr>
+              <a:t>https</a:t>
+            </a:r>
+            <a:r>
+              <a:rPr lang="es-ES_tradnl" sz="1600" dirty="0">
+                <a:hlinkClick r:id="rId2"/>
+              </a:rPr>
+              <a:t>://</a:t>
+            </a:r>
+            <a:r>
+              <a:rPr lang="es-ES_tradnl" sz="1600" dirty="0" smtClean="0">
+                <a:hlinkClick r:id="rId2"/>
+              </a:rPr>
+              <a:t>www.googleapis.com/books/v1/volumes?q=isbn+</a:t>
+            </a:r>
+            <a:r>
+              <a:rPr lang="es-ES_tradnl" sz="1600" b="1" dirty="0" smtClean="0">
+                <a:hlinkClick r:id="rId2"/>
+              </a:rPr>
+              <a:t>ISBN_SIN_GUIONES</a:t>
+            </a:r>
+            <a:endParaRPr lang="es-ES_tradnl" sz="1600" b="1" dirty="0" smtClean="0"/>
+          </a:p>
+          <a:p>
+            <a:pPr marL="744538" lvl="5"/>
+            <a:r>
+              <a:rPr lang="es-ES_tradnl" sz="1600" dirty="0" smtClean="0"/>
+              <a:t>Formato del recurso que devuelve la API:</a:t>
+            </a:r>
+            <a:r>
+              <a:rPr lang="es-ES_tradnl" sz="1600" b="1" dirty="0" smtClean="0"/>
+              <a:t/>
+            </a:r>
+            <a:br>
+              <a:rPr lang="es-ES_tradnl" sz="1600" b="1" dirty="0" smtClean="0"/>
+            </a:br>
+            <a:r>
+              <a:rPr lang="en-US" sz="1600" b="1" u="sng" dirty="0"/>
+              <a:t>data</a:t>
+            </a:r>
+            <a:r>
+              <a:rPr lang="en-US" sz="1600" dirty="0"/>
+              <a:t>.items[0].volumeInfo.imageLinks.thumbnail</a:t>
+            </a:r>
+            <a:endParaRPr lang="es-ES_tradnl" sz="1600" b="1" dirty="0" smtClean="0"/>
+          </a:p>
+        </p:txBody>
+      </p:sp>
+    </p:spTree>
+    <p:extLst>
+      <p:ext uri="{BB962C8B-B14F-4D97-AF65-F5344CB8AC3E}">
+        <p14:creationId xmlns:p14="http://schemas.microsoft.com/office/powerpoint/2010/main" val="3008542842"/>
+      </p:ext>
+    </p:extLst>
+  </p:cSld>
+  <p:clrMapOvr>
+    <a:masterClrMapping/>
+  </p:clrMapOvr>
+  <p:transition>
+    <p:fade/>
+  </p:transition>
+</p:sld>
+</file>
+
+<file path=ppt/slides/slide34.xml><?xml version="1.0" encoding="utf-8"?>
+<p:sld xmlns:a="http://schemas.openxmlformats.org/drawingml/2006/main" xmlns:r="http://schemas.openxmlformats.org/officeDocument/2006/relationships" xmlns:p="http://schemas.openxmlformats.org/presentationml/2006/main">
+  <p:cSld>
+    <p:spTree>
+      <p:nvGrpSpPr>
+        <p:cNvPr id="1" name=""/>
+        <p:cNvGrpSpPr/>
+        <p:nvPr/>
+      </p:nvGrpSpPr>
+      <p:grpSpPr>
+        <a:xfrm>
+          <a:off x="0" y="0"/>
+          <a:ext cx="0" cy="0"/>
+          <a:chOff x="0" y="0"/>
+          <a:chExt cx="0" cy="0"/>
+        </a:xfrm>
+      </p:grpSpPr>
       <p:sp>
         <p:nvSpPr>
           <p:cNvPr id="3" name="TextBox 2"/>
@@ -19119,7 +20189,7 @@
 </p:sld>
 </file>
 
-<file path=ppt/slides/slide31.xml><?xml version="1.0" encoding="utf-8"?>
+<file path=ppt/slides/slide35.xml><?xml version="1.0" encoding="utf-8"?>
 <p:sld xmlns:a="http://schemas.openxmlformats.org/drawingml/2006/main" xmlns:r="http://schemas.openxmlformats.org/officeDocument/2006/relationships" xmlns:p="http://schemas.openxmlformats.org/presentationml/2006/main">
   <p:cSld>
     <p:spTree>

--- a/PPTS/Ejercicios.pptx
+++ b/PPTS/Ejercicios.pptx
@@ -5,7 +5,7 @@
     <p:sldMasterId id="2147483674" r:id="rId1"/>
   </p:sldMasterIdLst>
   <p:notesMasterIdLst>
-    <p:notesMasterId r:id="rId37"/>
+    <p:notesMasterId r:id="rId39"/>
   </p:notesMasterIdLst>
   <p:sldIdLst>
     <p:sldId id="325" r:id="rId2"/>
@@ -34,15 +34,17 @@
     <p:sldId id="348" r:id="rId25"/>
     <p:sldId id="349" r:id="rId26"/>
     <p:sldId id="350" r:id="rId27"/>
-    <p:sldId id="351" r:id="rId28"/>
-    <p:sldId id="352" r:id="rId29"/>
-    <p:sldId id="359" r:id="rId30"/>
-    <p:sldId id="360" r:id="rId31"/>
-    <p:sldId id="361" r:id="rId32"/>
-    <p:sldId id="362" r:id="rId33"/>
-    <p:sldId id="356" r:id="rId34"/>
-    <p:sldId id="357" r:id="rId35"/>
-    <p:sldId id="358" r:id="rId36"/>
+    <p:sldId id="365" r:id="rId28"/>
+    <p:sldId id="364" r:id="rId29"/>
+    <p:sldId id="351" r:id="rId30"/>
+    <p:sldId id="352" r:id="rId31"/>
+    <p:sldId id="359" r:id="rId32"/>
+    <p:sldId id="360" r:id="rId33"/>
+    <p:sldId id="361" r:id="rId34"/>
+    <p:sldId id="362" r:id="rId35"/>
+    <p:sldId id="356" r:id="rId36"/>
+    <p:sldId id="357" r:id="rId37"/>
+    <p:sldId id="358" r:id="rId38"/>
   </p:sldIdLst>
   <p:sldSz cx="9144000" cy="5143500" type="screen16x9"/>
   <p:notesSz cx="6858000" cy="9144000"/>
@@ -242,7 +244,7 @@
           <a:p>
             <a:fld id="{0CB2ADE4-DA66-4D2B-AEBC-945044852B12}" type="datetimeFigureOut">
               <a:rPr lang="es-AR" smtClean="0"/>
-              <a:t>15/10/2014</a:t>
+              <a:t>17/10/2014</a:t>
             </a:fld>
             <a:endParaRPr lang="es-AR"/>
           </a:p>
@@ -5160,7 +5162,7 @@
       </p:grpSpPr>
       <p:sp>
         <p:nvSpPr>
-          <p:cNvPr id="61442" name="Slide Image Placeholder 1"/>
+          <p:cNvPr id="56322" name="Slide Image Placeholder 1"/>
           <p:cNvSpPr>
             <a:spLocks noGrp="1" noRot="1" noChangeAspect="1" noTextEdit="1"/>
           </p:cNvSpPr>
@@ -5191,7 +5193,7 @@
       </p:sp>
       <p:sp>
         <p:nvSpPr>
-          <p:cNvPr id="61443" name="Notes Placeholder 2"/>
+          <p:cNvPr id="56323" name="Notes Placeholder 2"/>
           <p:cNvSpPr>
             <a:spLocks noGrp="1"/>
           </p:cNvSpPr>
@@ -5229,13 +5231,13 @@
           </a:bodyPr>
           <a:lstStyle/>
           <a:p>
-            <a:endParaRPr lang="es-AR" altLang="es-AR" smtClean="0"/>
+            <a:endParaRPr lang="en-US" altLang="es-AR" smtClean="0"/>
           </a:p>
         </p:txBody>
       </p:sp>
       <p:sp>
         <p:nvSpPr>
-          <p:cNvPr id="61444" name="Slide Number Placeholder 3"/>
+          <p:cNvPr id="56324" name="Slide Number Placeholder 3"/>
           <p:cNvSpPr>
             <a:spLocks noGrp="1"/>
           </p:cNvSpPr>
@@ -5386,8 +5388,8 @@
                 <a:spcPct val="0"/>
               </a:spcBef>
             </a:pPr>
-            <a:fld id="{F4D3F846-3487-4A66-93EE-1479472B5C34}" type="slidenum">
-              <a:rPr lang="es-AR" altLang="es-AR" smtClean="0">
+            <a:fld id="{7A282DDF-24FA-47FC-8AA6-9F0135CDC1D5}" type="slidenum">
+              <a:rPr lang="en-US" altLang="es-AR" smtClean="0">
                 <a:latin typeface="Arial" panose="020B0604020202020204" pitchFamily="34" charset="0"/>
               </a:rPr>
               <a:pPr>
@@ -5395,9 +5397,9 @@
                   <a:spcPct val="0"/>
                 </a:spcBef>
               </a:pPr>
-              <a:t>28</a:t>
+              <a:t>27</a:t>
             </a:fld>
-            <a:endParaRPr lang="es-AR" altLang="es-AR" smtClean="0">
+            <a:endParaRPr lang="en-US" altLang="es-AR" smtClean="0">
               <a:latin typeface="Arial" panose="020B0604020202020204" pitchFamily="34" charset="0"/>
             </a:endParaRPr>
           </a:p>
@@ -5406,7 +5408,7 @@
     </p:spTree>
     <p:extLst>
       <p:ext uri="{BB962C8B-B14F-4D97-AF65-F5344CB8AC3E}">
-        <p14:creationId xmlns:p14="http://schemas.microsoft.com/office/powerpoint/2010/main" val="608953551"/>
+        <p14:creationId xmlns:p14="http://schemas.microsoft.com/office/powerpoint/2010/main" val="552776285"/>
       </p:ext>
     </p:extLst>
   </p:cSld>
@@ -5435,7 +5437,7 @@
       </p:grpSpPr>
       <p:sp>
         <p:nvSpPr>
-          <p:cNvPr id="61442" name="Slide Image Placeholder 1"/>
+          <p:cNvPr id="58370" name="Slide Image Placeholder 1"/>
           <p:cNvSpPr>
             <a:spLocks noGrp="1" noRot="1" noChangeAspect="1" noTextEdit="1"/>
           </p:cNvSpPr>
@@ -5466,7 +5468,7 @@
       </p:sp>
       <p:sp>
         <p:nvSpPr>
-          <p:cNvPr id="61443" name="Notes Placeholder 2"/>
+          <p:cNvPr id="58371" name="Notes Placeholder 2"/>
           <p:cNvSpPr>
             <a:spLocks noGrp="1"/>
           </p:cNvSpPr>
@@ -5510,7 +5512,7 @@
       </p:sp>
       <p:sp>
         <p:nvSpPr>
-          <p:cNvPr id="61444" name="Slide Number Placeholder 3"/>
+          <p:cNvPr id="58372" name="Slide Number Placeholder 3"/>
           <p:cNvSpPr>
             <a:spLocks noGrp="1"/>
           </p:cNvSpPr>
@@ -5661,7 +5663,7 @@
                 <a:spcPct val="0"/>
               </a:spcBef>
             </a:pPr>
-            <a:fld id="{F4D3F846-3487-4A66-93EE-1479472B5C34}" type="slidenum">
+            <a:fld id="{B43FB00B-D4A2-4183-8CFA-CAC685A875A3}" type="slidenum">
               <a:rPr lang="es-AR" altLang="es-AR" smtClean="0">
                 <a:latin typeface="Arial" panose="020B0604020202020204" pitchFamily="34" charset="0"/>
               </a:rPr>
@@ -5670,7 +5672,7 @@
                   <a:spcPct val="0"/>
                 </a:spcBef>
               </a:pPr>
-              <a:t>30</a:t>
+              <a:t>28</a:t>
             </a:fld>
             <a:endParaRPr lang="es-AR" altLang="es-AR" smtClean="0">
               <a:latin typeface="Arial" panose="020B0604020202020204" pitchFamily="34" charset="0"/>
@@ -5681,7 +5683,7 @@
     </p:spTree>
     <p:extLst>
       <p:ext uri="{BB962C8B-B14F-4D97-AF65-F5344CB8AC3E}">
-        <p14:creationId xmlns:p14="http://schemas.microsoft.com/office/powerpoint/2010/main" val="1241500212"/>
+        <p14:creationId xmlns:p14="http://schemas.microsoft.com/office/powerpoint/2010/main" val="1980371587"/>
       </p:ext>
     </p:extLst>
   </p:cSld>
@@ -5945,7 +5947,7 @@
                   <a:spcPct val="0"/>
                 </a:spcBef>
               </a:pPr>
-              <a:t>32</a:t>
+              <a:t>30</a:t>
             </a:fld>
             <a:endParaRPr lang="es-AR" altLang="es-AR" smtClean="0">
               <a:latin typeface="Arial" panose="020B0604020202020204" pitchFamily="34" charset="0"/>
@@ -5956,7 +5958,7 @@
     </p:spTree>
     <p:extLst>
       <p:ext uri="{BB962C8B-B14F-4D97-AF65-F5344CB8AC3E}">
-        <p14:creationId xmlns:p14="http://schemas.microsoft.com/office/powerpoint/2010/main" val="2383663063"/>
+        <p14:creationId xmlns:p14="http://schemas.microsoft.com/office/powerpoint/2010/main" val="608953551"/>
       </p:ext>
     </p:extLst>
   </p:cSld>
@@ -5985,19 +5987,38 @@
       </p:grpSpPr>
       <p:sp>
         <p:nvSpPr>
-          <p:cNvPr id="2" name="Slide Image Placeholder 1"/>
+          <p:cNvPr id="61442" name="Slide Image Placeholder 1"/>
           <p:cNvSpPr>
-            <a:spLocks noGrp="1" noRot="1" noChangeAspect="1"/>
+            <a:spLocks noGrp="1" noRot="1" noChangeAspect="1" noTextEdit="1"/>
           </p:cNvSpPr>
           <p:nvPr>
             <p:ph type="sldImg"/>
           </p:nvPr>
         </p:nvSpPr>
-        <p:spPr/>
+        <p:spPr bwMode="auto">
+          <a:noFill/>
+          <a:ln>
+            <a:solidFill>
+              <a:srgbClr val="000000"/>
+            </a:solidFill>
+            <a:miter lim="800000"/>
+            <a:headEnd/>
+            <a:tailEnd/>
+          </a:ln>
+          <a:extLst>
+            <a:ext uri="{909E8E84-426E-40DD-AFC4-6F175D3DCCD1}">
+              <a14:hiddenFill xmlns:a14="http://schemas.microsoft.com/office/drawing/2010/main">
+                <a:solidFill>
+                  <a:srgbClr val="FFFFFF"/>
+                </a:solidFill>
+              </a14:hiddenFill>
+            </a:ext>
+          </a:extLst>
+        </p:spPr>
       </p:sp>
       <p:sp>
         <p:nvSpPr>
-          <p:cNvPr id="3" name="Notes Placeholder 2"/>
+          <p:cNvPr id="61443" name="Notes Placeholder 2"/>
           <p:cNvSpPr>
             <a:spLocks noGrp="1"/>
           </p:cNvSpPr>
@@ -6005,136 +6026,214 @@
             <p:ph type="body" idx="1"/>
           </p:nvPr>
         </p:nvSpPr>
-        <p:spPr/>
+        <p:spPr bwMode="auto">
+          <a:noFill/>
+          <a:extLst>
+            <a:ext uri="{909E8E84-426E-40DD-AFC4-6F175D3DCCD1}">
+              <a14:hiddenFill xmlns:a14="http://schemas.microsoft.com/office/drawing/2010/main">
+                <a:solidFill>
+                  <a:srgbClr val="FFFFFF"/>
+                </a:solidFill>
+              </a14:hiddenFill>
+            </a:ext>
+            <a:ext uri="{91240B29-F687-4F45-9708-019B960494DF}">
+              <a14:hiddenLine xmlns:a14="http://schemas.microsoft.com/office/drawing/2010/main" w="9525">
+                <a:solidFill>
+                  <a:srgbClr val="000000"/>
+                </a:solidFill>
+                <a:miter lim="800000"/>
+                <a:headEnd/>
+                <a:tailEnd/>
+              </a14:hiddenLine>
+            </a:ext>
+          </a:extLst>
+        </p:spPr>
         <p:txBody>
-          <a:bodyPr/>
+          <a:bodyPr wrap="square" numCol="1" anchor="t" anchorCtr="0" compatLnSpc="1">
+            <a:prstTxWarp prst="textNoShape">
+              <a:avLst/>
+            </a:prstTxWarp>
+          </a:bodyPr>
           <a:lstStyle/>
           <a:p>
-            <a:r>
-              <a:rPr lang="es-ES_tradnl" dirty="0" smtClean="0"/>
-              <a:t>Explicación</a:t>
-            </a:r>
-          </a:p>
-          <a:p>
-            <a:pPr marL="171450" indent="-171450">
-              <a:buFont typeface="Arial" panose="020B0604020202020204" pitchFamily="34" charset="0"/>
-              <a:buChar char="•"/>
-            </a:pPr>
-            <a:r>
-              <a:rPr lang="es-ES_tradnl" dirty="0" smtClean="0"/>
-              <a:t>Las</a:t>
-            </a:r>
-            <a:r>
-              <a:rPr lang="es-ES_tradnl" baseline="0" dirty="0" smtClean="0"/>
-              <a:t> primeras 3 líneas le dan formato al ISBN ya que es presentado con guiones y la API REST de Google no lo soporta con ese formato.</a:t>
-            </a:r>
-          </a:p>
-          <a:p>
-            <a:pPr marL="171450" indent="-171450">
-              <a:buFont typeface="Arial" panose="020B0604020202020204" pitchFamily="34" charset="0"/>
-              <a:buChar char="•"/>
-            </a:pPr>
-            <a:r>
-              <a:rPr lang="es-ES_tradnl" baseline="0" dirty="0" smtClean="0"/>
-              <a:t>Luego se utiliza el servicio $http de </a:t>
-            </a:r>
-            <a:r>
-              <a:rPr lang="es-ES_tradnl" baseline="0" dirty="0" err="1" smtClean="0"/>
-              <a:t>AngularJS</a:t>
-            </a:r>
-            <a:r>
-              <a:rPr lang="es-ES_tradnl" baseline="0" dirty="0" smtClean="0"/>
-              <a:t> con el método GET, esta </a:t>
-            </a:r>
-            <a:r>
-              <a:rPr lang="es-ES_tradnl" baseline="0" dirty="0" err="1" smtClean="0"/>
-              <a:t>request</a:t>
-            </a:r>
-            <a:r>
-              <a:rPr lang="es-ES_tradnl" baseline="0" dirty="0" smtClean="0"/>
-              <a:t> de http es el standard de REST para solicitar recursos.</a:t>
-            </a:r>
-          </a:p>
-          <a:p>
-            <a:pPr marL="171450" indent="-171450">
-              <a:buFont typeface="Arial" panose="020B0604020202020204" pitchFamily="34" charset="0"/>
-              <a:buChar char="•"/>
-            </a:pPr>
-            <a:r>
-              <a:rPr lang="es-ES_tradnl" baseline="0" dirty="0" smtClean="0"/>
-              <a:t>Si el </a:t>
-            </a:r>
-            <a:r>
-              <a:rPr lang="es-ES_tradnl" baseline="0" dirty="0" err="1" smtClean="0"/>
-              <a:t>request</a:t>
-            </a:r>
-            <a:r>
-              <a:rPr lang="es-ES_tradnl" baseline="0" dirty="0" smtClean="0"/>
-              <a:t> fue exitoso y la respuesta tiene código 200 (OK), se le asigna a la imagen del </a:t>
-            </a:r>
-            <a:r>
-              <a:rPr lang="es-ES_tradnl" baseline="0" dirty="0" err="1" smtClean="0"/>
-              <a:t>thumbnail</a:t>
-            </a:r>
-            <a:r>
-              <a:rPr lang="es-ES_tradnl" baseline="0" dirty="0" smtClean="0"/>
-              <a:t> del libro actual.</a:t>
-            </a:r>
-          </a:p>
-          <a:p>
-            <a:pPr marL="171450" indent="-171450">
-              <a:buFont typeface="Arial" panose="020B0604020202020204" pitchFamily="34" charset="0"/>
-              <a:buChar char="•"/>
-            </a:pPr>
-            <a:r>
-              <a:rPr lang="es-ES_tradnl" baseline="0" dirty="0" smtClean="0"/>
-              <a:t>Si hubo un error se </a:t>
-            </a:r>
-            <a:r>
-              <a:rPr lang="es-ES_tradnl" baseline="0" dirty="0" err="1" smtClean="0"/>
-              <a:t>loguea</a:t>
-            </a:r>
-            <a:r>
-              <a:rPr lang="es-ES_tradnl" baseline="0" dirty="0" smtClean="0"/>
-              <a:t> en la consola del lado del cliente.</a:t>
-            </a:r>
-          </a:p>
-          <a:p>
-            <a:pPr marL="171450" indent="-171450">
-              <a:buFont typeface="Arial" panose="020B0604020202020204" pitchFamily="34" charset="0"/>
-              <a:buChar char="•"/>
-            </a:pPr>
-            <a:endParaRPr lang="en-US" dirty="0"/>
+            <a:endParaRPr lang="es-AR" altLang="es-AR" smtClean="0"/>
           </a:p>
         </p:txBody>
       </p:sp>
       <p:sp>
         <p:nvSpPr>
-          <p:cNvPr id="4" name="Slide Number Placeholder 3"/>
+          <p:cNvPr id="61444" name="Slide Number Placeholder 3"/>
           <p:cNvSpPr>
             <a:spLocks noGrp="1"/>
           </p:cNvSpPr>
           <p:nvPr>
-            <p:ph type="sldNum" sz="quarter" idx="10"/>
+            <p:ph type="sldNum" sz="quarter" idx="5"/>
           </p:nvPr>
         </p:nvSpPr>
-        <p:spPr/>
+        <p:spPr bwMode="auto">
+          <a:noFill/>
+          <a:extLst>
+            <a:ext uri="{909E8E84-426E-40DD-AFC4-6F175D3DCCD1}">
+              <a14:hiddenFill xmlns:a14="http://schemas.microsoft.com/office/drawing/2010/main">
+                <a:solidFill>
+                  <a:srgbClr val="FFFFFF"/>
+                </a:solidFill>
+              </a14:hiddenFill>
+            </a:ext>
+            <a:ext uri="{91240B29-F687-4F45-9708-019B960494DF}">
+              <a14:hiddenLine xmlns:a14="http://schemas.microsoft.com/office/drawing/2010/main" w="9525">
+                <a:solidFill>
+                  <a:srgbClr val="000000"/>
+                </a:solidFill>
+                <a:miter lim="800000"/>
+                <a:headEnd/>
+                <a:tailEnd/>
+              </a14:hiddenLine>
+            </a:ext>
+          </a:extLst>
+        </p:spPr>
         <p:txBody>
           <a:bodyPr/>
-          <a:lstStyle/>
-          <a:p>
-            <a:fld id="{7D61118C-0B68-45A8-8791-420E0DB4DDEA}" type="slidenum">
-              <a:rPr lang="es-AR" smtClean="0"/>
-              <a:t>34</a:t>
+          <a:lstStyle>
+            <a:lvl1pPr>
+              <a:spcBef>
+                <a:spcPct val="30000"/>
+              </a:spcBef>
+              <a:defRPr sz="1200">
+                <a:solidFill>
+                  <a:schemeClr val="tx1"/>
+                </a:solidFill>
+                <a:latin typeface="Calibri" panose="020F0502020204030204" pitchFamily="34" charset="0"/>
+              </a:defRPr>
+            </a:lvl1pPr>
+            <a:lvl2pPr marL="742950" indent="-285750">
+              <a:spcBef>
+                <a:spcPct val="30000"/>
+              </a:spcBef>
+              <a:defRPr sz="1200">
+                <a:solidFill>
+                  <a:schemeClr val="tx1"/>
+                </a:solidFill>
+                <a:latin typeface="Calibri" panose="020F0502020204030204" pitchFamily="34" charset="0"/>
+              </a:defRPr>
+            </a:lvl2pPr>
+            <a:lvl3pPr marL="1143000" indent="-228600">
+              <a:spcBef>
+                <a:spcPct val="30000"/>
+              </a:spcBef>
+              <a:defRPr sz="1200">
+                <a:solidFill>
+                  <a:schemeClr val="tx1"/>
+                </a:solidFill>
+                <a:latin typeface="Calibri" panose="020F0502020204030204" pitchFamily="34" charset="0"/>
+              </a:defRPr>
+            </a:lvl3pPr>
+            <a:lvl4pPr marL="1600200" indent="-228600">
+              <a:spcBef>
+                <a:spcPct val="30000"/>
+              </a:spcBef>
+              <a:defRPr sz="1200">
+                <a:solidFill>
+                  <a:schemeClr val="tx1"/>
+                </a:solidFill>
+                <a:latin typeface="Calibri" panose="020F0502020204030204" pitchFamily="34" charset="0"/>
+              </a:defRPr>
+            </a:lvl4pPr>
+            <a:lvl5pPr marL="2057400" indent="-228600">
+              <a:spcBef>
+                <a:spcPct val="30000"/>
+              </a:spcBef>
+              <a:defRPr sz="1200">
+                <a:solidFill>
+                  <a:schemeClr val="tx1"/>
+                </a:solidFill>
+                <a:latin typeface="Calibri" panose="020F0502020204030204" pitchFamily="34" charset="0"/>
+              </a:defRPr>
+            </a:lvl5pPr>
+            <a:lvl6pPr marL="2514600" indent="-228600" eaLnBrk="0" fontAlgn="base" hangingPunct="0">
+              <a:spcBef>
+                <a:spcPct val="30000"/>
+              </a:spcBef>
+              <a:spcAft>
+                <a:spcPct val="0"/>
+              </a:spcAft>
+              <a:defRPr sz="1200">
+                <a:solidFill>
+                  <a:schemeClr val="tx1"/>
+                </a:solidFill>
+                <a:latin typeface="Calibri" panose="020F0502020204030204" pitchFamily="34" charset="0"/>
+              </a:defRPr>
+            </a:lvl6pPr>
+            <a:lvl7pPr marL="2971800" indent="-228600" eaLnBrk="0" fontAlgn="base" hangingPunct="0">
+              <a:spcBef>
+                <a:spcPct val="30000"/>
+              </a:spcBef>
+              <a:spcAft>
+                <a:spcPct val="0"/>
+              </a:spcAft>
+              <a:defRPr sz="1200">
+                <a:solidFill>
+                  <a:schemeClr val="tx1"/>
+                </a:solidFill>
+                <a:latin typeface="Calibri" panose="020F0502020204030204" pitchFamily="34" charset="0"/>
+              </a:defRPr>
+            </a:lvl7pPr>
+            <a:lvl8pPr marL="3429000" indent="-228600" eaLnBrk="0" fontAlgn="base" hangingPunct="0">
+              <a:spcBef>
+                <a:spcPct val="30000"/>
+              </a:spcBef>
+              <a:spcAft>
+                <a:spcPct val="0"/>
+              </a:spcAft>
+              <a:defRPr sz="1200">
+                <a:solidFill>
+                  <a:schemeClr val="tx1"/>
+                </a:solidFill>
+                <a:latin typeface="Calibri" panose="020F0502020204030204" pitchFamily="34" charset="0"/>
+              </a:defRPr>
+            </a:lvl8pPr>
+            <a:lvl9pPr marL="3886200" indent="-228600" eaLnBrk="0" fontAlgn="base" hangingPunct="0">
+              <a:spcBef>
+                <a:spcPct val="30000"/>
+              </a:spcBef>
+              <a:spcAft>
+                <a:spcPct val="0"/>
+              </a:spcAft>
+              <a:defRPr sz="1200">
+                <a:solidFill>
+                  <a:schemeClr val="tx1"/>
+                </a:solidFill>
+                <a:latin typeface="Calibri" panose="020F0502020204030204" pitchFamily="34" charset="0"/>
+              </a:defRPr>
+            </a:lvl9pPr>
+          </a:lstStyle>
+          <a:p>
+            <a:pPr>
+              <a:spcBef>
+                <a:spcPct val="0"/>
+              </a:spcBef>
+            </a:pPr>
+            <a:fld id="{F4D3F846-3487-4A66-93EE-1479472B5C34}" type="slidenum">
+              <a:rPr lang="es-AR" altLang="es-AR" smtClean="0">
+                <a:latin typeface="Arial" panose="020B0604020202020204" pitchFamily="34" charset="0"/>
+              </a:rPr>
+              <a:pPr>
+                <a:spcBef>
+                  <a:spcPct val="0"/>
+                </a:spcBef>
+              </a:pPr>
+              <a:t>32</a:t>
             </a:fld>
-            <a:endParaRPr lang="es-AR"/>
+            <a:endParaRPr lang="es-AR" altLang="es-AR" smtClean="0">
+              <a:latin typeface="Arial" panose="020B0604020202020204" pitchFamily="34" charset="0"/>
+            </a:endParaRPr>
           </a:p>
         </p:txBody>
       </p:sp>
     </p:spTree>
     <p:extLst>
       <p:ext uri="{BB962C8B-B14F-4D97-AF65-F5344CB8AC3E}">
-        <p14:creationId xmlns:p14="http://schemas.microsoft.com/office/powerpoint/2010/main" val="2262800268"/>
+        <p14:creationId xmlns:p14="http://schemas.microsoft.com/office/powerpoint/2010/main" val="1241500212"/>
       </p:ext>
     </p:extLst>
   </p:cSld>
@@ -6398,7 +6497,7 @@
                   <a:spcPct val="0"/>
                 </a:spcBef>
               </a:pPr>
-              <a:t>35</a:t>
+              <a:t>34</a:t>
             </a:fld>
             <a:endParaRPr lang="es-AR" altLang="es-AR" smtClean="0">
               <a:latin typeface="Arial" panose="020B0604020202020204" pitchFamily="34" charset="0"/>
@@ -6409,7 +6508,7 @@
     </p:spTree>
     <p:extLst>
       <p:ext uri="{BB962C8B-B14F-4D97-AF65-F5344CB8AC3E}">
-        <p14:creationId xmlns:p14="http://schemas.microsoft.com/office/powerpoint/2010/main" val="3775049705"/>
+        <p14:creationId xmlns:p14="http://schemas.microsoft.com/office/powerpoint/2010/main" val="2383663063"/>
       </p:ext>
     </p:extLst>
   </p:cSld>
@@ -6685,6 +6784,459 @@
     <p:extLst>
       <p:ext uri="{BB962C8B-B14F-4D97-AF65-F5344CB8AC3E}">
         <p14:creationId xmlns:p14="http://schemas.microsoft.com/office/powerpoint/2010/main" val="1393115750"/>
+      </p:ext>
+    </p:extLst>
+  </p:cSld>
+  <p:clrMapOvr>
+    <a:masterClrMapping/>
+  </p:clrMapOvr>
+</p:notes>
+</file>
+
+<file path=ppt/notesSlides/notesSlide30.xml><?xml version="1.0" encoding="utf-8"?>
+<p:notes xmlns:a="http://schemas.openxmlformats.org/drawingml/2006/main" xmlns:r="http://schemas.openxmlformats.org/officeDocument/2006/relationships" xmlns:p="http://schemas.openxmlformats.org/presentationml/2006/main">
+  <p:cSld>
+    <p:spTree>
+      <p:nvGrpSpPr>
+        <p:cNvPr id="1" name=""/>
+        <p:cNvGrpSpPr/>
+        <p:nvPr/>
+      </p:nvGrpSpPr>
+      <p:grpSpPr>
+        <a:xfrm>
+          <a:off x="0" y="0"/>
+          <a:ext cx="0" cy="0"/>
+          <a:chOff x="0" y="0"/>
+          <a:chExt cx="0" cy="0"/>
+        </a:xfrm>
+      </p:grpSpPr>
+      <p:sp>
+        <p:nvSpPr>
+          <p:cNvPr id="2" name="Slide Image Placeholder 1"/>
+          <p:cNvSpPr>
+            <a:spLocks noGrp="1" noRot="1" noChangeAspect="1"/>
+          </p:cNvSpPr>
+          <p:nvPr>
+            <p:ph type="sldImg"/>
+          </p:nvPr>
+        </p:nvSpPr>
+        <p:spPr/>
+      </p:sp>
+      <p:sp>
+        <p:nvSpPr>
+          <p:cNvPr id="3" name="Notes Placeholder 2"/>
+          <p:cNvSpPr>
+            <a:spLocks noGrp="1"/>
+          </p:cNvSpPr>
+          <p:nvPr>
+            <p:ph type="body" idx="1"/>
+          </p:nvPr>
+        </p:nvSpPr>
+        <p:spPr/>
+        <p:txBody>
+          <a:bodyPr/>
+          <a:lstStyle/>
+          <a:p>
+            <a:r>
+              <a:rPr lang="es-ES_tradnl" dirty="0" smtClean="0"/>
+              <a:t>Explicación</a:t>
+            </a:r>
+          </a:p>
+          <a:p>
+            <a:pPr marL="171450" indent="-171450">
+              <a:buFont typeface="Arial" panose="020B0604020202020204" pitchFamily="34" charset="0"/>
+              <a:buChar char="•"/>
+            </a:pPr>
+            <a:r>
+              <a:rPr lang="es-ES_tradnl" dirty="0" smtClean="0"/>
+              <a:t>Las</a:t>
+            </a:r>
+            <a:r>
+              <a:rPr lang="es-ES_tradnl" baseline="0" dirty="0" smtClean="0"/>
+              <a:t> primeras 3 líneas le dan formato al ISBN ya que es presentado con guiones y la API REST de Google no lo soporta con ese formato.</a:t>
+            </a:r>
+          </a:p>
+          <a:p>
+            <a:pPr marL="171450" indent="-171450">
+              <a:buFont typeface="Arial" panose="020B0604020202020204" pitchFamily="34" charset="0"/>
+              <a:buChar char="•"/>
+            </a:pPr>
+            <a:r>
+              <a:rPr lang="es-ES_tradnl" baseline="0" dirty="0" smtClean="0"/>
+              <a:t>Luego se utiliza el servicio $http de </a:t>
+            </a:r>
+            <a:r>
+              <a:rPr lang="es-ES_tradnl" baseline="0" dirty="0" err="1" smtClean="0"/>
+              <a:t>AngularJS</a:t>
+            </a:r>
+            <a:r>
+              <a:rPr lang="es-ES_tradnl" baseline="0" dirty="0" smtClean="0"/>
+              <a:t> con el método GET, esta </a:t>
+            </a:r>
+            <a:r>
+              <a:rPr lang="es-ES_tradnl" baseline="0" dirty="0" err="1" smtClean="0"/>
+              <a:t>request</a:t>
+            </a:r>
+            <a:r>
+              <a:rPr lang="es-ES_tradnl" baseline="0" dirty="0" smtClean="0"/>
+              <a:t> de http es el standard de REST para solicitar recursos.</a:t>
+            </a:r>
+          </a:p>
+          <a:p>
+            <a:pPr marL="171450" indent="-171450">
+              <a:buFont typeface="Arial" panose="020B0604020202020204" pitchFamily="34" charset="0"/>
+              <a:buChar char="•"/>
+            </a:pPr>
+            <a:r>
+              <a:rPr lang="es-ES_tradnl" baseline="0" dirty="0" smtClean="0"/>
+              <a:t>Si el </a:t>
+            </a:r>
+            <a:r>
+              <a:rPr lang="es-ES_tradnl" baseline="0" dirty="0" err="1" smtClean="0"/>
+              <a:t>request</a:t>
+            </a:r>
+            <a:r>
+              <a:rPr lang="es-ES_tradnl" baseline="0" dirty="0" smtClean="0"/>
+              <a:t> fue exitoso y la respuesta tiene código 200 (OK), se le asigna a la imagen del </a:t>
+            </a:r>
+            <a:r>
+              <a:rPr lang="es-ES_tradnl" baseline="0" dirty="0" err="1" smtClean="0"/>
+              <a:t>thumbnail</a:t>
+            </a:r>
+            <a:r>
+              <a:rPr lang="es-ES_tradnl" baseline="0" dirty="0" smtClean="0"/>
+              <a:t> del libro actual.</a:t>
+            </a:r>
+          </a:p>
+          <a:p>
+            <a:pPr marL="171450" indent="-171450">
+              <a:buFont typeface="Arial" panose="020B0604020202020204" pitchFamily="34" charset="0"/>
+              <a:buChar char="•"/>
+            </a:pPr>
+            <a:r>
+              <a:rPr lang="es-ES_tradnl" baseline="0" dirty="0" smtClean="0"/>
+              <a:t>Si hubo un error se </a:t>
+            </a:r>
+            <a:r>
+              <a:rPr lang="es-ES_tradnl" baseline="0" dirty="0" err="1" smtClean="0"/>
+              <a:t>loguea</a:t>
+            </a:r>
+            <a:r>
+              <a:rPr lang="es-ES_tradnl" baseline="0" dirty="0" smtClean="0"/>
+              <a:t> en la consola del lado del cliente.</a:t>
+            </a:r>
+          </a:p>
+          <a:p>
+            <a:pPr marL="171450" indent="-171450">
+              <a:buFont typeface="Arial" panose="020B0604020202020204" pitchFamily="34" charset="0"/>
+              <a:buChar char="•"/>
+            </a:pPr>
+            <a:endParaRPr lang="en-US" dirty="0"/>
+          </a:p>
+        </p:txBody>
+      </p:sp>
+      <p:sp>
+        <p:nvSpPr>
+          <p:cNvPr id="4" name="Slide Number Placeholder 3"/>
+          <p:cNvSpPr>
+            <a:spLocks noGrp="1"/>
+          </p:cNvSpPr>
+          <p:nvPr>
+            <p:ph type="sldNum" sz="quarter" idx="10"/>
+          </p:nvPr>
+        </p:nvSpPr>
+        <p:spPr/>
+        <p:txBody>
+          <a:bodyPr/>
+          <a:lstStyle/>
+          <a:p>
+            <a:fld id="{7D61118C-0B68-45A8-8791-420E0DB4DDEA}" type="slidenum">
+              <a:rPr lang="es-AR" smtClean="0"/>
+              <a:t>36</a:t>
+            </a:fld>
+            <a:endParaRPr lang="es-AR"/>
+          </a:p>
+        </p:txBody>
+      </p:sp>
+    </p:spTree>
+    <p:extLst>
+      <p:ext uri="{BB962C8B-B14F-4D97-AF65-F5344CB8AC3E}">
+        <p14:creationId xmlns:p14="http://schemas.microsoft.com/office/powerpoint/2010/main" val="2262800268"/>
+      </p:ext>
+    </p:extLst>
+  </p:cSld>
+  <p:clrMapOvr>
+    <a:masterClrMapping/>
+  </p:clrMapOvr>
+</p:notes>
+</file>
+
+<file path=ppt/notesSlides/notesSlide31.xml><?xml version="1.0" encoding="utf-8"?>
+<p:notes xmlns:a="http://schemas.openxmlformats.org/drawingml/2006/main" xmlns:r="http://schemas.openxmlformats.org/officeDocument/2006/relationships" xmlns:p="http://schemas.openxmlformats.org/presentationml/2006/main">
+  <p:cSld>
+    <p:spTree>
+      <p:nvGrpSpPr>
+        <p:cNvPr id="1" name=""/>
+        <p:cNvGrpSpPr/>
+        <p:nvPr/>
+      </p:nvGrpSpPr>
+      <p:grpSpPr>
+        <a:xfrm>
+          <a:off x="0" y="0"/>
+          <a:ext cx="0" cy="0"/>
+          <a:chOff x="0" y="0"/>
+          <a:chExt cx="0" cy="0"/>
+        </a:xfrm>
+      </p:grpSpPr>
+      <p:sp>
+        <p:nvSpPr>
+          <p:cNvPr id="61442" name="Slide Image Placeholder 1"/>
+          <p:cNvSpPr>
+            <a:spLocks noGrp="1" noRot="1" noChangeAspect="1" noTextEdit="1"/>
+          </p:cNvSpPr>
+          <p:nvPr>
+            <p:ph type="sldImg"/>
+          </p:nvPr>
+        </p:nvSpPr>
+        <p:spPr bwMode="auto">
+          <a:noFill/>
+          <a:ln>
+            <a:solidFill>
+              <a:srgbClr val="000000"/>
+            </a:solidFill>
+            <a:miter lim="800000"/>
+            <a:headEnd/>
+            <a:tailEnd/>
+          </a:ln>
+          <a:extLst>
+            <a:ext uri="{909E8E84-426E-40DD-AFC4-6F175D3DCCD1}">
+              <a14:hiddenFill xmlns:a14="http://schemas.microsoft.com/office/drawing/2010/main">
+                <a:solidFill>
+                  <a:srgbClr val="FFFFFF"/>
+                </a:solidFill>
+              </a14:hiddenFill>
+            </a:ext>
+          </a:extLst>
+        </p:spPr>
+      </p:sp>
+      <p:sp>
+        <p:nvSpPr>
+          <p:cNvPr id="61443" name="Notes Placeholder 2"/>
+          <p:cNvSpPr>
+            <a:spLocks noGrp="1"/>
+          </p:cNvSpPr>
+          <p:nvPr>
+            <p:ph type="body" idx="1"/>
+          </p:nvPr>
+        </p:nvSpPr>
+        <p:spPr bwMode="auto">
+          <a:noFill/>
+          <a:extLst>
+            <a:ext uri="{909E8E84-426E-40DD-AFC4-6F175D3DCCD1}">
+              <a14:hiddenFill xmlns:a14="http://schemas.microsoft.com/office/drawing/2010/main">
+                <a:solidFill>
+                  <a:srgbClr val="FFFFFF"/>
+                </a:solidFill>
+              </a14:hiddenFill>
+            </a:ext>
+            <a:ext uri="{91240B29-F687-4F45-9708-019B960494DF}">
+              <a14:hiddenLine xmlns:a14="http://schemas.microsoft.com/office/drawing/2010/main" w="9525">
+                <a:solidFill>
+                  <a:srgbClr val="000000"/>
+                </a:solidFill>
+                <a:miter lim="800000"/>
+                <a:headEnd/>
+                <a:tailEnd/>
+              </a14:hiddenLine>
+            </a:ext>
+          </a:extLst>
+        </p:spPr>
+        <p:txBody>
+          <a:bodyPr wrap="square" numCol="1" anchor="t" anchorCtr="0" compatLnSpc="1">
+            <a:prstTxWarp prst="textNoShape">
+              <a:avLst/>
+            </a:prstTxWarp>
+          </a:bodyPr>
+          <a:lstStyle/>
+          <a:p>
+            <a:endParaRPr lang="es-AR" altLang="es-AR" smtClean="0"/>
+          </a:p>
+        </p:txBody>
+      </p:sp>
+      <p:sp>
+        <p:nvSpPr>
+          <p:cNvPr id="61444" name="Slide Number Placeholder 3"/>
+          <p:cNvSpPr>
+            <a:spLocks noGrp="1"/>
+          </p:cNvSpPr>
+          <p:nvPr>
+            <p:ph type="sldNum" sz="quarter" idx="5"/>
+          </p:nvPr>
+        </p:nvSpPr>
+        <p:spPr bwMode="auto">
+          <a:noFill/>
+          <a:extLst>
+            <a:ext uri="{909E8E84-426E-40DD-AFC4-6F175D3DCCD1}">
+              <a14:hiddenFill xmlns:a14="http://schemas.microsoft.com/office/drawing/2010/main">
+                <a:solidFill>
+                  <a:srgbClr val="FFFFFF"/>
+                </a:solidFill>
+              </a14:hiddenFill>
+            </a:ext>
+            <a:ext uri="{91240B29-F687-4F45-9708-019B960494DF}">
+              <a14:hiddenLine xmlns:a14="http://schemas.microsoft.com/office/drawing/2010/main" w="9525">
+                <a:solidFill>
+                  <a:srgbClr val="000000"/>
+                </a:solidFill>
+                <a:miter lim="800000"/>
+                <a:headEnd/>
+                <a:tailEnd/>
+              </a14:hiddenLine>
+            </a:ext>
+          </a:extLst>
+        </p:spPr>
+        <p:txBody>
+          <a:bodyPr/>
+          <a:lstStyle>
+            <a:lvl1pPr>
+              <a:spcBef>
+                <a:spcPct val="30000"/>
+              </a:spcBef>
+              <a:defRPr sz="1200">
+                <a:solidFill>
+                  <a:schemeClr val="tx1"/>
+                </a:solidFill>
+                <a:latin typeface="Calibri" panose="020F0502020204030204" pitchFamily="34" charset="0"/>
+              </a:defRPr>
+            </a:lvl1pPr>
+            <a:lvl2pPr marL="742950" indent="-285750">
+              <a:spcBef>
+                <a:spcPct val="30000"/>
+              </a:spcBef>
+              <a:defRPr sz="1200">
+                <a:solidFill>
+                  <a:schemeClr val="tx1"/>
+                </a:solidFill>
+                <a:latin typeface="Calibri" panose="020F0502020204030204" pitchFamily="34" charset="0"/>
+              </a:defRPr>
+            </a:lvl2pPr>
+            <a:lvl3pPr marL="1143000" indent="-228600">
+              <a:spcBef>
+                <a:spcPct val="30000"/>
+              </a:spcBef>
+              <a:defRPr sz="1200">
+                <a:solidFill>
+                  <a:schemeClr val="tx1"/>
+                </a:solidFill>
+                <a:latin typeface="Calibri" panose="020F0502020204030204" pitchFamily="34" charset="0"/>
+              </a:defRPr>
+            </a:lvl3pPr>
+            <a:lvl4pPr marL="1600200" indent="-228600">
+              <a:spcBef>
+                <a:spcPct val="30000"/>
+              </a:spcBef>
+              <a:defRPr sz="1200">
+                <a:solidFill>
+                  <a:schemeClr val="tx1"/>
+                </a:solidFill>
+                <a:latin typeface="Calibri" panose="020F0502020204030204" pitchFamily="34" charset="0"/>
+              </a:defRPr>
+            </a:lvl4pPr>
+            <a:lvl5pPr marL="2057400" indent="-228600">
+              <a:spcBef>
+                <a:spcPct val="30000"/>
+              </a:spcBef>
+              <a:defRPr sz="1200">
+                <a:solidFill>
+                  <a:schemeClr val="tx1"/>
+                </a:solidFill>
+                <a:latin typeface="Calibri" panose="020F0502020204030204" pitchFamily="34" charset="0"/>
+              </a:defRPr>
+            </a:lvl5pPr>
+            <a:lvl6pPr marL="2514600" indent="-228600" eaLnBrk="0" fontAlgn="base" hangingPunct="0">
+              <a:spcBef>
+                <a:spcPct val="30000"/>
+              </a:spcBef>
+              <a:spcAft>
+                <a:spcPct val="0"/>
+              </a:spcAft>
+              <a:defRPr sz="1200">
+                <a:solidFill>
+                  <a:schemeClr val="tx1"/>
+                </a:solidFill>
+                <a:latin typeface="Calibri" panose="020F0502020204030204" pitchFamily="34" charset="0"/>
+              </a:defRPr>
+            </a:lvl6pPr>
+            <a:lvl7pPr marL="2971800" indent="-228600" eaLnBrk="0" fontAlgn="base" hangingPunct="0">
+              <a:spcBef>
+                <a:spcPct val="30000"/>
+              </a:spcBef>
+              <a:spcAft>
+                <a:spcPct val="0"/>
+              </a:spcAft>
+              <a:defRPr sz="1200">
+                <a:solidFill>
+                  <a:schemeClr val="tx1"/>
+                </a:solidFill>
+                <a:latin typeface="Calibri" panose="020F0502020204030204" pitchFamily="34" charset="0"/>
+              </a:defRPr>
+            </a:lvl7pPr>
+            <a:lvl8pPr marL="3429000" indent="-228600" eaLnBrk="0" fontAlgn="base" hangingPunct="0">
+              <a:spcBef>
+                <a:spcPct val="30000"/>
+              </a:spcBef>
+              <a:spcAft>
+                <a:spcPct val="0"/>
+              </a:spcAft>
+              <a:defRPr sz="1200">
+                <a:solidFill>
+                  <a:schemeClr val="tx1"/>
+                </a:solidFill>
+                <a:latin typeface="Calibri" panose="020F0502020204030204" pitchFamily="34" charset="0"/>
+              </a:defRPr>
+            </a:lvl8pPr>
+            <a:lvl9pPr marL="3886200" indent="-228600" eaLnBrk="0" fontAlgn="base" hangingPunct="0">
+              <a:spcBef>
+                <a:spcPct val="30000"/>
+              </a:spcBef>
+              <a:spcAft>
+                <a:spcPct val="0"/>
+              </a:spcAft>
+              <a:defRPr sz="1200">
+                <a:solidFill>
+                  <a:schemeClr val="tx1"/>
+                </a:solidFill>
+                <a:latin typeface="Calibri" panose="020F0502020204030204" pitchFamily="34" charset="0"/>
+              </a:defRPr>
+            </a:lvl9pPr>
+          </a:lstStyle>
+          <a:p>
+            <a:pPr>
+              <a:spcBef>
+                <a:spcPct val="0"/>
+              </a:spcBef>
+            </a:pPr>
+            <a:fld id="{F4D3F846-3487-4A66-93EE-1479472B5C34}" type="slidenum">
+              <a:rPr lang="es-AR" altLang="es-AR" smtClean="0">
+                <a:latin typeface="Arial" panose="020B0604020202020204" pitchFamily="34" charset="0"/>
+              </a:rPr>
+              <a:pPr>
+                <a:spcBef>
+                  <a:spcPct val="0"/>
+                </a:spcBef>
+              </a:pPr>
+              <a:t>37</a:t>
+            </a:fld>
+            <a:endParaRPr lang="es-AR" altLang="es-AR" smtClean="0">
+              <a:latin typeface="Arial" panose="020B0604020202020204" pitchFamily="34" charset="0"/>
+            </a:endParaRPr>
+          </a:p>
+        </p:txBody>
+      </p:sp>
+    </p:spTree>
+    <p:extLst>
+      <p:ext uri="{BB962C8B-B14F-4D97-AF65-F5344CB8AC3E}">
+        <p14:creationId xmlns:p14="http://schemas.microsoft.com/office/powerpoint/2010/main" val="3775049705"/>
       </p:ext>
     </p:extLst>
   </p:cSld>
@@ -11069,7 +11621,7 @@
               <a:pPr>
                 <a:defRPr/>
               </a:pPr>
-              <a:t>10/15/2014</a:t>
+              <a:t>10/17/2014</a:t>
             </a:fld>
             <a:endParaRPr lang="en-US"/>
           </a:p>
@@ -11145,7 +11697,7 @@
               <a:pPr>
                 <a:defRPr/>
               </a:pPr>
-              <a:t>10/15/2014</a:t>
+              <a:t>10/17/2014</a:t>
             </a:fld>
             <a:endParaRPr lang="en-US"/>
           </a:p>
@@ -18413,7 +18965,7 @@
       </p:grpSpPr>
       <p:sp>
         <p:nvSpPr>
-          <p:cNvPr id="59394" name="Title 1"/>
+          <p:cNvPr id="55298" name="Title 3"/>
           <p:cNvSpPr>
             <a:spLocks noGrp="1"/>
           </p:cNvSpPr>
@@ -18424,7 +18976,7 @@
         <p:spPr>
           <a:xfrm>
             <a:off x="476250" y="260747"/>
-            <a:ext cx="8448675" cy="448463"/>
+            <a:ext cx="8448675" cy="424730"/>
           </a:xfrm>
         </p:spPr>
         <p:txBody>
@@ -18458,13 +19010,13 @@
               </a:rPr>
               <a:t>11</a:t>
             </a:r>
-            <a:endParaRPr lang="en-US" dirty="0" smtClean="0"/>
+            <a:endParaRPr lang="en-US" altLang="es-AR" dirty="0" smtClean="0"/>
           </a:p>
         </p:txBody>
       </p:sp>
       <p:sp>
         <p:nvSpPr>
-          <p:cNvPr id="59395" name="Content Placeholder 2"/>
+          <p:cNvPr id="55299" name="Content Placeholder 4"/>
           <p:cNvSpPr>
             <a:spLocks noGrp="1"/>
           </p:cNvSpPr>
@@ -18474,80 +19026,69 @@
         </p:nvSpPr>
         <p:spPr>
           <a:xfrm>
-            <a:off x="476250" y="709211"/>
-            <a:ext cx="5916215" cy="1079897"/>
+            <a:off x="476249" y="685477"/>
+            <a:ext cx="8448675" cy="795851"/>
           </a:xfrm>
         </p:spPr>
         <p:txBody>
-          <a:bodyPr/>
+          <a:bodyPr>
+            <a:normAutofit/>
+          </a:bodyPr>
           <a:lstStyle/>
           <a:p>
-            <a:r>
-              <a:rPr lang="es-ES_tradnl" dirty="0" smtClean="0"/>
-              <a:t> En la sección “Lista de préstamos” se ha implementado el filtro por usuario. Filtrar por título del libro.</a:t>
-            </a:r>
-            <a:endParaRPr lang="en-US" dirty="0" smtClean="0"/>
+            <a:pPr marL="129779" lvl="1">
+              <a:lnSpc>
+                <a:spcPct val="95000"/>
+              </a:lnSpc>
+              <a:buClr>
+                <a:srgbClr val="000000"/>
+              </a:buClr>
+              <a:buBlip>
+                <a:blip r:embed="rId3"/>
+              </a:buBlip>
+            </a:pPr>
+            <a:r>
+              <a:rPr lang="es-ES" altLang="es-AR" sz="2100" dirty="0" smtClean="0"/>
+              <a:t>Hacer que el mensaje de que no hay copias disponibles, aparezca solo cuando dicha condición se cumple.</a:t>
+            </a:r>
+            <a:endParaRPr lang="es-ES" altLang="es-AR" sz="2100" dirty="0"/>
           </a:p>
         </p:txBody>
       </p:sp>
       <p:pic>
         <p:nvPicPr>
-          <p:cNvPr id="59396" name="Picture 3"/>
+          <p:cNvPr id="2" name="Picture 1"/>
           <p:cNvPicPr>
             <a:picLocks noChangeAspect="1"/>
           </p:cNvPicPr>
           <p:nvPr/>
         </p:nvPicPr>
         <p:blipFill>
-          <a:blip r:embed="rId2">
+          <a:blip r:embed="rId4">
             <a:extLst>
               <a:ext uri="{28A0092B-C50C-407E-A947-70E740481C1C}">
                 <a14:useLocalDpi xmlns:a14="http://schemas.microsoft.com/office/drawing/2010/main" val="0"/>
               </a:ext>
             </a:extLst>
           </a:blip>
-          <a:srcRect/>
           <a:stretch>
             <a:fillRect/>
           </a:stretch>
         </p:blipFill>
-        <p:spPr bwMode="auto">
+        <p:spPr>
           <a:xfrm>
-            <a:off x="1199408" y="1789107"/>
-            <a:ext cx="6543304" cy="2842269"/>
+            <a:off x="2075689" y="1481327"/>
+            <a:ext cx="4590288" cy="3399869"/>
           </a:xfrm>
           <a:prstGeom prst="rect">
             <a:avLst/>
           </a:prstGeom>
-          <a:noFill/>
-          <a:ln>
-            <a:noFill/>
-          </a:ln>
-          <a:extLst>
-            <a:ext uri="{909E8E84-426E-40DD-AFC4-6F175D3DCCD1}">
-              <a14:hiddenFill xmlns:a14="http://schemas.microsoft.com/office/drawing/2010/main">
-                <a:solidFill>
-                  <a:srgbClr val="FFFFFF"/>
-                </a:solidFill>
-              </a14:hiddenFill>
-            </a:ext>
-            <a:ext uri="{91240B29-F687-4F45-9708-019B960494DF}">
-              <a14:hiddenLine xmlns:a14="http://schemas.microsoft.com/office/drawing/2010/main" w="9525">
-                <a:solidFill>
-                  <a:srgbClr val="000000"/>
-                </a:solidFill>
-                <a:miter lim="800000"/>
-                <a:headEnd/>
-                <a:tailEnd/>
-              </a14:hiddenLine>
-            </a:ext>
-          </a:extLst>
         </p:spPr>
       </p:pic>
     </p:spTree>
     <p:extLst>
       <p:ext uri="{BB962C8B-B14F-4D97-AF65-F5344CB8AC3E}">
-        <p14:creationId xmlns:p14="http://schemas.microsoft.com/office/powerpoint/2010/main" val="4006728809"/>
+        <p14:creationId xmlns:p14="http://schemas.microsoft.com/office/powerpoint/2010/main" val="2259241390"/>
       </p:ext>
     </p:extLst>
   </p:cSld>
@@ -18586,7 +19127,7 @@
       </p:grpSpPr>
       <p:pic>
         <p:nvPicPr>
-          <p:cNvPr id="60418" name="Picture 2" descr="Codigo20de20barras.jpg"/>
+          <p:cNvPr id="57346" name="Picture 2" descr="Codigo20de20barras.jpg"/>
           <p:cNvPicPr>
             <a:picLocks noChangeAspect="1"/>
           </p:cNvPicPr>
@@ -18641,7 +19182,7 @@
     </p:spTree>
     <p:extLst>
       <p:ext uri="{BB962C8B-B14F-4D97-AF65-F5344CB8AC3E}">
-        <p14:creationId xmlns:p14="http://schemas.microsoft.com/office/powerpoint/2010/main" val="2603051637"/>
+        <p14:creationId xmlns:p14="http://schemas.microsoft.com/office/powerpoint/2010/main" val="857617384"/>
       </p:ext>
     </p:extLst>
   </p:cSld>
@@ -18723,25 +19264,7 @@
                 </a:solidFill>
                 <a:latin typeface="Segoe UI Semibold" panose="020B0702040204020203" pitchFamily="34" charset="0"/>
               </a:rPr>
-              <a:t>12 (</a:t>
-            </a:r>
-            <a:r>
-              <a:rPr lang="en-US" sz="1700" b="1" kern="1200" dirty="0" err="1" smtClean="0">
-                <a:solidFill>
-                  <a:srgbClr val="1EA89B"/>
-                </a:solidFill>
-                <a:latin typeface="Segoe UI Semibold" panose="020B0702040204020203" pitchFamily="34" charset="0"/>
-              </a:rPr>
-              <a:t>Borrador</a:t>
-            </a:r>
-            <a:r>
-              <a:rPr lang="en-US" sz="1700" b="1" kern="1200" dirty="0" smtClean="0">
-                <a:solidFill>
-                  <a:srgbClr val="1EA89B"/>
-                </a:solidFill>
-                <a:latin typeface="Segoe UI Semibold" panose="020B0702040204020203" pitchFamily="34" charset="0"/>
-              </a:rPr>
-              <a:t>)</a:t>
+              <a:t>12</a:t>
             </a:r>
             <a:endParaRPr lang="en-US" dirty="0" smtClean="0"/>
           </a:p>
@@ -18760,52 +19283,79 @@
         <p:spPr>
           <a:xfrm>
             <a:off x="476250" y="709211"/>
-            <a:ext cx="8448675" cy="3707341"/>
+            <a:ext cx="5916215" cy="1079897"/>
           </a:xfrm>
         </p:spPr>
         <p:txBody>
-          <a:bodyPr>
-            <a:normAutofit/>
-          </a:bodyPr>
+          <a:bodyPr/>
           <a:lstStyle/>
           <a:p>
             <a:r>
               <a:rPr lang="es-ES_tradnl" dirty="0" smtClean="0"/>
-              <a:t> En la sección “Lista de préstamos” </a:t>
-            </a:r>
-            <a:r>
-              <a:rPr lang="es-ES_tradnl" dirty="0" smtClean="0"/>
-              <a:t>agregar una columna llamada “Devolución”, cuyo valor dependa de la cantidad de días que faltan para la devolución del libro según las siguientes especificación:</a:t>
-            </a:r>
-          </a:p>
-          <a:p>
-            <a:pPr lvl="5"/>
-            <a:r>
-              <a:rPr lang="es-ES_tradnl" dirty="0" smtClean="0"/>
-              <a:t>Próxima: Si faltan 7 días o menos para la devolución.</a:t>
-            </a:r>
-          </a:p>
-          <a:p>
-            <a:pPr lvl="5"/>
-            <a:r>
-              <a:rPr lang="es-ES_tradnl" dirty="0" smtClean="0"/>
-              <a:t>Intermedia: Si faltan entre 8 y 14 días.</a:t>
-            </a:r>
-          </a:p>
-          <a:p>
-            <a:pPr lvl="5"/>
-            <a:r>
-              <a:rPr lang="es-ES_tradnl" dirty="0" smtClean="0"/>
-              <a:t>Lejana: Si faltan 15 o más.</a:t>
+              <a:t> En la sección “Lista de préstamos” se ha implementado el filtro por usuario. Filtrar por título del libro.</a:t>
             </a:r>
             <a:endParaRPr lang="en-US" dirty="0" smtClean="0"/>
           </a:p>
         </p:txBody>
       </p:sp>
+      <p:pic>
+        <p:nvPicPr>
+          <p:cNvPr id="59396" name="Picture 3"/>
+          <p:cNvPicPr>
+            <a:picLocks noChangeAspect="1"/>
+          </p:cNvPicPr>
+          <p:nvPr/>
+        </p:nvPicPr>
+        <p:blipFill>
+          <a:blip r:embed="rId2">
+            <a:extLst>
+              <a:ext uri="{28A0092B-C50C-407E-A947-70E740481C1C}">
+                <a14:useLocalDpi xmlns:a14="http://schemas.microsoft.com/office/drawing/2010/main" val="0"/>
+              </a:ext>
+            </a:extLst>
+          </a:blip>
+          <a:srcRect/>
+          <a:stretch>
+            <a:fillRect/>
+          </a:stretch>
+        </p:blipFill>
+        <p:spPr bwMode="auto">
+          <a:xfrm>
+            <a:off x="1199408" y="1789107"/>
+            <a:ext cx="6543304" cy="2842269"/>
+          </a:xfrm>
+          <a:prstGeom prst="rect">
+            <a:avLst/>
+          </a:prstGeom>
+          <a:noFill/>
+          <a:ln>
+            <a:noFill/>
+          </a:ln>
+          <a:extLst>
+            <a:ext uri="{909E8E84-426E-40DD-AFC4-6F175D3DCCD1}">
+              <a14:hiddenFill xmlns:a14="http://schemas.microsoft.com/office/drawing/2010/main">
+                <a:solidFill>
+                  <a:srgbClr val="FFFFFF"/>
+                </a:solidFill>
+              </a14:hiddenFill>
+            </a:ext>
+            <a:ext uri="{91240B29-F687-4F45-9708-019B960494DF}">
+              <a14:hiddenLine xmlns:a14="http://schemas.microsoft.com/office/drawing/2010/main" w="9525">
+                <a:solidFill>
+                  <a:srgbClr val="000000"/>
+                </a:solidFill>
+                <a:miter lim="800000"/>
+                <a:headEnd/>
+                <a:tailEnd/>
+              </a14:hiddenLine>
+            </a:ext>
+          </a:extLst>
+        </p:spPr>
+      </p:pic>
     </p:spTree>
     <p:extLst>
       <p:ext uri="{BB962C8B-B14F-4D97-AF65-F5344CB8AC3E}">
-        <p14:creationId xmlns:p14="http://schemas.microsoft.com/office/powerpoint/2010/main" val="3644934533"/>
+        <p14:creationId xmlns:p14="http://schemas.microsoft.com/office/powerpoint/2010/main" val="4006728809"/>
       </p:ext>
     </p:extLst>
   </p:cSld>
@@ -19138,7 +19688,7 @@
     </p:spTree>
     <p:extLst>
       <p:ext uri="{BB962C8B-B14F-4D97-AF65-F5344CB8AC3E}">
-        <p14:creationId xmlns:p14="http://schemas.microsoft.com/office/powerpoint/2010/main" val="2867235280"/>
+        <p14:creationId xmlns:p14="http://schemas.microsoft.com/office/powerpoint/2010/main" val="2603051637"/>
       </p:ext>
     </p:extLst>
   </p:cSld>
@@ -19220,25 +19770,7 @@
                 </a:solidFill>
                 <a:latin typeface="Segoe UI Semibold" panose="020B0702040204020203" pitchFamily="34" charset="0"/>
               </a:rPr>
-              <a:t>13 (</a:t>
-            </a:r>
-            <a:r>
-              <a:rPr lang="en-US" sz="1700" b="1" kern="1200" dirty="0" err="1" smtClean="0">
-                <a:solidFill>
-                  <a:srgbClr val="1EA89B"/>
-                </a:solidFill>
-                <a:latin typeface="Segoe UI Semibold" panose="020B0702040204020203" pitchFamily="34" charset="0"/>
-              </a:rPr>
-              <a:t>Borrador</a:t>
-            </a:r>
-            <a:r>
-              <a:rPr lang="en-US" sz="1700" b="1" kern="1200" dirty="0" smtClean="0">
-                <a:solidFill>
-                  <a:srgbClr val="1EA89B"/>
-                </a:solidFill>
-                <a:latin typeface="Segoe UI Semibold" panose="020B0702040204020203" pitchFamily="34" charset="0"/>
-              </a:rPr>
-              <a:t>)</a:t>
+              <a:t>13</a:t>
             </a:r>
             <a:endParaRPr lang="en-US" dirty="0" smtClean="0"/>
           </a:p>
@@ -19257,7 +19789,7 @@
         <p:spPr>
           <a:xfrm>
             <a:off x="476250" y="709211"/>
-            <a:ext cx="8448675" cy="2107141"/>
+            <a:ext cx="8448675" cy="1915117"/>
           </a:xfrm>
         </p:spPr>
         <p:txBody>
@@ -19271,38 +19803,76 @@
               <a:t> </a:t>
             </a:r>
             <a:r>
-              <a:rPr lang="es-ES_tradnl" dirty="0" smtClean="0"/>
-              <a:t>Ordenar la lista de préstamos por el nuevo campo “Devolución”, pero no de forma lexicográfica sino de la siguiente forma:</a:t>
+              <a:rPr lang="es-ES_tradnl" sz="1800" dirty="0" smtClean="0"/>
+              <a:t>En la sección “Lista de préstamos” agregar una columna llamada “Devolución”, cuyo valor dependa de la cantidad de días que faltan para la devolución del libro según </a:t>
+            </a:r>
+            <a:r>
+              <a:rPr lang="es-ES_tradnl" sz="1800" dirty="0" smtClean="0"/>
+              <a:t>la siguiente </a:t>
+            </a:r>
+            <a:r>
+              <a:rPr lang="es-ES_tradnl" sz="1800" dirty="0" smtClean="0"/>
+              <a:t>especificación:</a:t>
             </a:r>
           </a:p>
           <a:p>
             <a:pPr lvl="5"/>
             <a:r>
-              <a:rPr lang="es-ES_tradnl" dirty="0" smtClean="0"/>
-              <a:t>Próximo</a:t>
+              <a:rPr lang="es-ES_tradnl" sz="1600" dirty="0" smtClean="0"/>
+              <a:t>Próxima: Si faltan 7 días o menos para la devolución.</a:t>
             </a:r>
           </a:p>
           <a:p>
             <a:pPr lvl="5"/>
             <a:r>
-              <a:rPr lang="es-ES_tradnl" dirty="0" smtClean="0"/>
-              <a:t>Intermedio</a:t>
+              <a:rPr lang="es-ES_tradnl" sz="1600" dirty="0" smtClean="0"/>
+              <a:t>Intermedia: Si faltan entre 8 y 14 días.</a:t>
             </a:r>
           </a:p>
           <a:p>
             <a:pPr lvl="5"/>
             <a:r>
-              <a:rPr lang="es-ES_tradnl" dirty="0" smtClean="0"/>
-              <a:t>Lejano</a:t>
-            </a:r>
-            <a:endParaRPr lang="en-US" dirty="0" smtClean="0"/>
+              <a:rPr lang="es-ES_tradnl" sz="1600" dirty="0" smtClean="0"/>
+              <a:t>Lejana: Si faltan 15 o más.</a:t>
+            </a:r>
+            <a:endParaRPr lang="en-US" sz="1600" dirty="0" smtClean="0"/>
           </a:p>
         </p:txBody>
       </p:sp>
+      <p:pic>
+        <p:nvPicPr>
+          <p:cNvPr id="2" name="Picture 1"/>
+          <p:cNvPicPr>
+            <a:picLocks noChangeAspect="1"/>
+          </p:cNvPicPr>
+          <p:nvPr/>
+        </p:nvPicPr>
+        <p:blipFill>
+          <a:blip r:embed="rId2">
+            <a:extLst>
+              <a:ext uri="{28A0092B-C50C-407E-A947-70E740481C1C}">
+                <a14:useLocalDpi xmlns:a14="http://schemas.microsoft.com/office/drawing/2010/main" val="0"/>
+              </a:ext>
+            </a:extLst>
+          </a:blip>
+          <a:stretch>
+            <a:fillRect/>
+          </a:stretch>
+        </p:blipFill>
+        <p:spPr>
+          <a:xfrm>
+            <a:off x="639983" y="2853414"/>
+            <a:ext cx="7631475" cy="1371114"/>
+          </a:xfrm>
+          <a:prstGeom prst="rect">
+            <a:avLst/>
+          </a:prstGeom>
+        </p:spPr>
+      </p:pic>
     </p:spTree>
     <p:extLst>
       <p:ext uri="{BB962C8B-B14F-4D97-AF65-F5344CB8AC3E}">
-        <p14:creationId xmlns:p14="http://schemas.microsoft.com/office/powerpoint/2010/main" val="1043968840"/>
+        <p14:creationId xmlns:p14="http://schemas.microsoft.com/office/powerpoint/2010/main" val="3644934533"/>
       </p:ext>
     </p:extLst>
   </p:cSld>
@@ -19396,7 +19966,7 @@
     </p:spTree>
     <p:extLst>
       <p:ext uri="{BB962C8B-B14F-4D97-AF65-F5344CB8AC3E}">
-        <p14:creationId xmlns:p14="http://schemas.microsoft.com/office/powerpoint/2010/main" val="2952249074"/>
+        <p14:creationId xmlns:p14="http://schemas.microsoft.com/office/powerpoint/2010/main" val="2867235280"/>
       </p:ext>
     </p:extLst>
   </p:cSld>
@@ -19435,6 +20005,273 @@
       </p:grpSpPr>
       <p:sp>
         <p:nvSpPr>
+          <p:cNvPr id="59394" name="Title 1"/>
+          <p:cNvSpPr>
+            <a:spLocks noGrp="1"/>
+          </p:cNvSpPr>
+          <p:nvPr>
+            <p:ph type="title"/>
+          </p:nvPr>
+        </p:nvSpPr>
+        <p:spPr>
+          <a:xfrm>
+            <a:off x="476250" y="260747"/>
+            <a:ext cx="8448675" cy="448463"/>
+          </a:xfrm>
+        </p:spPr>
+        <p:txBody>
+          <a:bodyPr/>
+          <a:lstStyle/>
+          <a:p>
+            <a:r>
+              <a:rPr lang="en-US" sz="1700" b="1" kern="1200" dirty="0" err="1">
+                <a:solidFill>
+                  <a:srgbClr val="1EA89B"/>
+                </a:solidFill>
+                <a:latin typeface="Segoe UI Semibold" panose="020B0702040204020203" pitchFamily="34" charset="0"/>
+              </a:rPr>
+              <a:t>Ejercicio</a:t>
+            </a:r>
+            <a:r>
+              <a:rPr lang="en-US" sz="1700" b="1" kern="1200" dirty="0">
+                <a:solidFill>
+                  <a:srgbClr val="1EA89B"/>
+                </a:solidFill>
+                <a:latin typeface="Segoe UI Semibold" panose="020B0702040204020203" pitchFamily="34" charset="0"/>
+              </a:rPr>
+              <a:t> </a:t>
+            </a:r>
+            <a:r>
+              <a:rPr lang="en-US" sz="1700" b="1" kern="1200" dirty="0" smtClean="0">
+                <a:solidFill>
+                  <a:srgbClr val="1EA89B"/>
+                </a:solidFill>
+                <a:latin typeface="Segoe UI Semibold" panose="020B0702040204020203" pitchFamily="34" charset="0"/>
+              </a:rPr>
+              <a:t>14 </a:t>
+            </a:r>
+            <a:r>
+              <a:rPr lang="en-US" sz="1700" b="1" kern="1200" dirty="0" smtClean="0">
+                <a:solidFill>
+                  <a:srgbClr val="1EA89B"/>
+                </a:solidFill>
+                <a:latin typeface="Segoe UI Semibold" panose="020B0702040204020203" pitchFamily="34" charset="0"/>
+              </a:rPr>
+              <a:t>(</a:t>
+            </a:r>
+            <a:r>
+              <a:rPr lang="en-US" sz="1700" b="1" kern="1200" dirty="0" err="1" smtClean="0">
+                <a:solidFill>
+                  <a:srgbClr val="1EA89B"/>
+                </a:solidFill>
+                <a:latin typeface="Segoe UI Semibold" panose="020B0702040204020203" pitchFamily="34" charset="0"/>
+              </a:rPr>
+              <a:t>Borrador</a:t>
+            </a:r>
+            <a:r>
+              <a:rPr lang="en-US" sz="1700" b="1" kern="1200" dirty="0" smtClean="0">
+                <a:solidFill>
+                  <a:srgbClr val="1EA89B"/>
+                </a:solidFill>
+                <a:latin typeface="Segoe UI Semibold" panose="020B0702040204020203" pitchFamily="34" charset="0"/>
+              </a:rPr>
+              <a:t>)</a:t>
+            </a:r>
+            <a:endParaRPr lang="en-US" dirty="0" smtClean="0"/>
+          </a:p>
+        </p:txBody>
+      </p:sp>
+      <p:sp>
+        <p:nvSpPr>
+          <p:cNvPr id="59395" name="Content Placeholder 2"/>
+          <p:cNvSpPr>
+            <a:spLocks noGrp="1"/>
+          </p:cNvSpPr>
+          <p:nvPr>
+            <p:ph idx="1"/>
+          </p:nvPr>
+        </p:nvSpPr>
+        <p:spPr>
+          <a:xfrm>
+            <a:off x="476250" y="709211"/>
+            <a:ext cx="8448675" cy="2107141"/>
+          </a:xfrm>
+        </p:spPr>
+        <p:txBody>
+          <a:bodyPr>
+            <a:normAutofit/>
+          </a:bodyPr>
+          <a:lstStyle/>
+          <a:p>
+            <a:r>
+              <a:rPr lang="es-ES_tradnl" dirty="0" smtClean="0"/>
+              <a:t> </a:t>
+            </a:r>
+            <a:r>
+              <a:rPr lang="es-ES_tradnl" sz="1800" dirty="0" smtClean="0"/>
+              <a:t>Ordenar la lista de préstamos por el nuevo campo “Devolución”, pero no de forma lexicográfica sino de la siguiente forma:</a:t>
+            </a:r>
+          </a:p>
+          <a:p>
+            <a:pPr lvl="5"/>
+            <a:r>
+              <a:rPr lang="es-ES_tradnl" sz="1600" dirty="0" smtClean="0"/>
+              <a:t>Próximo</a:t>
+            </a:r>
+          </a:p>
+          <a:p>
+            <a:pPr lvl="5"/>
+            <a:r>
+              <a:rPr lang="es-ES_tradnl" sz="1600" dirty="0" smtClean="0"/>
+              <a:t>Intermedio</a:t>
+            </a:r>
+          </a:p>
+          <a:p>
+            <a:pPr lvl="5"/>
+            <a:r>
+              <a:rPr lang="es-ES_tradnl" sz="1600" dirty="0" smtClean="0"/>
+              <a:t>Lejano</a:t>
+            </a:r>
+            <a:endParaRPr lang="en-US" sz="1600" dirty="0" smtClean="0"/>
+          </a:p>
+        </p:txBody>
+      </p:sp>
+    </p:spTree>
+    <p:extLst>
+      <p:ext uri="{BB962C8B-B14F-4D97-AF65-F5344CB8AC3E}">
+        <p14:creationId xmlns:p14="http://schemas.microsoft.com/office/powerpoint/2010/main" val="1043968840"/>
+      </p:ext>
+    </p:extLst>
+  </p:cSld>
+  <p:clrMapOvr>
+    <a:masterClrMapping/>
+  </p:clrMapOvr>
+  <p:transition>
+    <p:fade/>
+  </p:transition>
+  <p:timing>
+    <p:tnLst>
+      <p:par>
+        <p:cTn id="1" dur="indefinite" restart="never" nodeType="tmRoot"/>
+      </p:par>
+    </p:tnLst>
+  </p:timing>
+</p:sld>
+</file>
+
+<file path=ppt/slides/slide34.xml><?xml version="1.0" encoding="utf-8"?>
+<p:sld xmlns:a="http://schemas.openxmlformats.org/drawingml/2006/main" xmlns:r="http://schemas.openxmlformats.org/officeDocument/2006/relationships" xmlns:p="http://schemas.openxmlformats.org/presentationml/2006/main">
+  <p:cSld>
+    <p:spTree>
+      <p:nvGrpSpPr>
+        <p:cNvPr id="1" name=""/>
+        <p:cNvGrpSpPr/>
+        <p:nvPr/>
+      </p:nvGrpSpPr>
+      <p:grpSpPr>
+        <a:xfrm>
+          <a:off x="0" y="0"/>
+          <a:ext cx="0" cy="0"/>
+          <a:chOff x="0" y="0"/>
+          <a:chExt cx="0" cy="0"/>
+        </a:xfrm>
+      </p:grpSpPr>
+      <p:pic>
+        <p:nvPicPr>
+          <p:cNvPr id="60418" name="Picture 2" descr="Codigo20de20barras.jpg"/>
+          <p:cNvPicPr>
+            <a:picLocks noChangeAspect="1"/>
+          </p:cNvPicPr>
+          <p:nvPr/>
+        </p:nvPicPr>
+        <p:blipFill>
+          <a:blip r:embed="rId3">
+            <a:extLst>
+              <a:ext uri="{28A0092B-C50C-407E-A947-70E740481C1C}">
+                <a14:useLocalDpi xmlns:a14="http://schemas.microsoft.com/office/drawing/2010/main" val="0"/>
+              </a:ext>
+            </a:extLst>
+          </a:blip>
+          <a:srcRect/>
+          <a:stretch>
+            <a:fillRect/>
+          </a:stretch>
+        </p:blipFill>
+        <p:spPr bwMode="auto">
+          <a:xfrm>
+            <a:off x="2682479" y="1539479"/>
+            <a:ext cx="3779044" cy="2064544"/>
+          </a:xfrm>
+          <a:prstGeom prst="rect">
+            <a:avLst/>
+          </a:prstGeom>
+          <a:noFill/>
+          <a:ln>
+            <a:noFill/>
+          </a:ln>
+          <a:extLst>
+            <a:ext uri="{909E8E84-426E-40DD-AFC4-6F175D3DCCD1}">
+              <a14:hiddenFill xmlns:a14="http://schemas.microsoft.com/office/drawing/2010/main">
+                <a:solidFill>
+                  <a:srgbClr val="FFFFFF"/>
+                </a:solidFill>
+              </a14:hiddenFill>
+            </a:ext>
+            <a:ext uri="{91240B29-F687-4F45-9708-019B960494DF}">
+              <a14:hiddenLine xmlns:a14="http://schemas.microsoft.com/office/drawing/2010/main" w="9525">
+                <a:solidFill>
+                  <a:srgbClr val="000000"/>
+                </a:solidFill>
+                <a:miter lim="800000"/>
+                <a:headEnd/>
+                <a:tailEnd/>
+              </a14:hiddenLine>
+            </a:ext>
+          </a:extLst>
+        </p:spPr>
+      </p:pic>
+    </p:spTree>
+    <p:extLst>
+      <p:ext uri="{BB962C8B-B14F-4D97-AF65-F5344CB8AC3E}">
+        <p14:creationId xmlns:p14="http://schemas.microsoft.com/office/powerpoint/2010/main" val="2952249074"/>
+      </p:ext>
+    </p:extLst>
+  </p:cSld>
+  <p:clrMapOvr>
+    <a:masterClrMapping/>
+  </p:clrMapOvr>
+  <p:transition>
+    <p:fade/>
+  </p:transition>
+  <p:timing>
+    <p:tnLst>
+      <p:par>
+        <p:cTn id="1" dur="indefinite" restart="never" nodeType="tmRoot"/>
+      </p:par>
+    </p:tnLst>
+  </p:timing>
+</p:sld>
+</file>
+
+<file path=ppt/slides/slide35.xml><?xml version="1.0" encoding="utf-8"?>
+<p:sld xmlns:a="http://schemas.openxmlformats.org/drawingml/2006/main" xmlns:r="http://schemas.openxmlformats.org/officeDocument/2006/relationships" xmlns:p="http://schemas.openxmlformats.org/presentationml/2006/main">
+  <p:cSld>
+    <p:spTree>
+      <p:nvGrpSpPr>
+        <p:cNvPr id="1" name=""/>
+        <p:cNvGrpSpPr/>
+        <p:nvPr/>
+      </p:nvGrpSpPr>
+      <p:grpSpPr>
+        <a:xfrm>
+          <a:off x="0" y="0"/>
+          <a:ext cx="0" cy="0"/>
+          <a:chOff x="0" y="0"/>
+          <a:chExt cx="0" cy="0"/>
+        </a:xfrm>
+      </p:grpSpPr>
+      <p:sp>
+        <p:nvSpPr>
           <p:cNvPr id="4" name="Title 3"/>
           <p:cNvSpPr>
             <a:spLocks noGrp="1"/>
@@ -19481,7 +20318,16 @@
                 </a:solidFill>
                 <a:latin typeface="Segoe UI Semibold" panose="020B0702040204020203" pitchFamily="34" charset="0"/>
               </a:rPr>
-              <a:t> final</a:t>
+              <a:t> </a:t>
+            </a:r>
+            <a:r>
+              <a:rPr lang="en-US" sz="1700" b="1" kern="1200" dirty="0" smtClean="0">
+                <a:solidFill>
+                  <a:srgbClr val="1EA89B"/>
+                </a:solidFill>
+                <a:latin typeface="Segoe UI Semibold" panose="020B0702040204020203" pitchFamily="34" charset="0"/>
+              </a:rPr>
+              <a:t>15</a:t>
             </a:r>
             <a:endParaRPr lang="en-US" dirty="0"/>
           </a:p>
@@ -19638,7 +20484,7 @@
 </p:sld>
 </file>
 
-<file path=ppt/slides/slide34.xml><?xml version="1.0" encoding="utf-8"?>
+<file path=ppt/slides/slide36.xml><?xml version="1.0" encoding="utf-8"?>
 <p:sld xmlns:a="http://schemas.openxmlformats.org/drawingml/2006/main" xmlns:r="http://schemas.openxmlformats.org/officeDocument/2006/relationships" xmlns:p="http://schemas.openxmlformats.org/presentationml/2006/main">
   <p:cSld>
     <p:spTree>
@@ -20189,7 +21035,7 @@
 </p:sld>
 </file>
 
-<file path=ppt/slides/slide35.xml><?xml version="1.0" encoding="utf-8"?>
+<file path=ppt/slides/slide37.xml><?xml version="1.0" encoding="utf-8"?>
 <p:sld xmlns:a="http://schemas.openxmlformats.org/drawingml/2006/main" xmlns:r="http://schemas.openxmlformats.org/officeDocument/2006/relationships" xmlns:p="http://schemas.openxmlformats.org/presentationml/2006/main">
   <p:cSld>
     <p:spTree>
